--- a/Other/Workflow.pptx
+++ b/Other/Workflow.pptx
@@ -208,7 +208,7 @@
           <a:p>
             <a:fld id="{F63927E5-4EE9-474C-9CAB-FCAB8825C3B2}" type="datetimeFigureOut">
               <a:rPr lang="en-GB" smtClean="0"/>
-              <a:t>2017-12-19</a:t>
+              <a:t>2017-12-20</a:t>
             </a:fld>
             <a:endParaRPr lang="en-GB"/>
           </a:p>
@@ -14570,60 +14570,6 @@
       </p:sp>
       <p:sp>
         <p:nvSpPr>
-          <p:cNvPr id="2" name="TextBox 1"/>
-          <p:cNvSpPr txBox="1"/>
-          <p:nvPr/>
-        </p:nvSpPr>
-        <p:spPr>
-          <a:xfrm>
-            <a:off x="793" y="6839872"/>
-            <a:ext cx="30275213" cy="1169551"/>
-          </a:xfrm>
-          <a:prstGeom prst="rect">
-            <a:avLst/>
-          </a:prstGeom>
-          <a:solidFill>
-            <a:schemeClr val="bg1">
-              <a:lumMod val="95000"/>
-            </a:schemeClr>
-          </a:solidFill>
-        </p:spPr>
-        <p:txBody>
-          <a:bodyPr wrap="square" rtlCol="0">
-            <a:spAutoFit/>
-          </a:bodyPr>
-          <a:lstStyle/>
-          <a:p>
-            <a:pPr algn="ctr"/>
-            <a:r>
-              <a:rPr lang="de-DE" sz="7000" dirty="0" smtClean="0">
-                <a:solidFill>
-                  <a:srgbClr val="D04D2A"/>
-                </a:solidFill>
-                <a:latin typeface="+mj-lt"/>
-              </a:rPr>
-              <a:t>Script </a:t>
-            </a:r>
-            <a:r>
-              <a:rPr lang="de-DE" sz="7000" dirty="0" err="1" smtClean="0">
-                <a:solidFill>
-                  <a:srgbClr val="D04D2A"/>
-                </a:solidFill>
-                <a:latin typeface="+mj-lt"/>
-              </a:rPr>
-              <a:t>workflow</a:t>
-            </a:r>
-            <a:endParaRPr lang="en-US" sz="7000" dirty="0">
-              <a:solidFill>
-                <a:srgbClr val="D04D2A"/>
-              </a:solidFill>
-              <a:latin typeface="+mj-lt"/>
-            </a:endParaRPr>
-          </a:p>
-        </p:txBody>
-      </p:sp>
-      <p:sp>
-        <p:nvSpPr>
           <p:cNvPr id="10" name="Titolo 9"/>
           <p:cNvSpPr>
             <a:spLocks noGrp="1"/>
@@ -14679,108 +14625,17 @@
           </a:p>
           <a:p>
             <a:r>
-              <a:rPr lang="de-DE" smtClean="0"/>
+              <a:rPr lang="de-DE" dirty="0" smtClean="0"/>
               <a:t>Eurac </a:t>
             </a:r>
             <a:r>
               <a:rPr lang="de-DE" dirty="0"/>
-              <a:t>Research, Institute </a:t>
-            </a:r>
-            <a:r>
-              <a:rPr lang="de-DE" dirty="0" err="1"/>
-              <a:t>for</a:t>
-            </a:r>
-            <a:r>
-              <a:rPr lang="de-DE" dirty="0"/>
-              <a:t> Alpine Environment </a:t>
+              <a:t>Research, Institute for Alpine Environment </a:t>
             </a:r>
             <a:endParaRPr lang="it-IT" dirty="0"/>
           </a:p>
         </p:txBody>
       </p:sp>
-      <p:sp>
-        <p:nvSpPr>
-          <p:cNvPr id="3" name="Rettangolo 2"/>
-          <p:cNvSpPr/>
-          <p:nvPr/>
-        </p:nvSpPr>
-        <p:spPr>
-          <a:xfrm>
-            <a:off x="1043606" y="8951414"/>
-            <a:ext cx="28188000" cy="31498754"/>
-          </a:xfrm>
-          <a:prstGeom prst="rect">
-            <a:avLst/>
-          </a:prstGeom>
-          <a:noFill/>
-          <a:ln w="76200"/>
-        </p:spPr>
-        <p:style>
-          <a:lnRef idx="2">
-            <a:schemeClr val="accent1">
-              <a:shade val="50000"/>
-            </a:schemeClr>
-          </a:lnRef>
-          <a:fillRef idx="1">
-            <a:schemeClr val="accent1"/>
-          </a:fillRef>
-          <a:effectRef idx="0">
-            <a:schemeClr val="accent1"/>
-          </a:effectRef>
-          <a:fontRef idx="minor">
-            <a:schemeClr val="lt1"/>
-          </a:fontRef>
-        </p:style>
-        <p:txBody>
-          <a:bodyPr rtlCol="0" anchor="ctr"/>
-          <a:lstStyle/>
-          <a:p>
-            <a:pPr algn="ctr"/>
-            <a:endParaRPr lang="it-IT"/>
-          </a:p>
-        </p:txBody>
-      </p:sp>
-      <p:pic>
-        <p:nvPicPr>
-          <p:cNvPr id="1026" name="Picture 2" descr="Risultati immagini per rmarkdown logo"/>
-          <p:cNvPicPr>
-            <a:picLocks noChangeAspect="1" noChangeArrowheads="1"/>
-          </p:cNvPicPr>
-          <p:nvPr/>
-        </p:nvPicPr>
-        <p:blipFill>
-          <a:blip r:embed="rId2" cstate="print">
-            <a:extLst>
-              <a:ext uri="{28A0092B-C50C-407E-A947-70E740481C1C}">
-                <a14:useLocalDpi xmlns:a14="http://schemas.microsoft.com/office/drawing/2010/main" val="0"/>
-              </a:ext>
-            </a:extLst>
-          </a:blip>
-          <a:srcRect/>
-          <a:stretch>
-            <a:fillRect/>
-          </a:stretch>
-        </p:blipFill>
-        <p:spPr bwMode="auto">
-          <a:xfrm>
-            <a:off x="1320027" y="9226363"/>
-            <a:ext cx="1711910" cy="1984049"/>
-          </a:xfrm>
-          <a:prstGeom prst="rect">
-            <a:avLst/>
-          </a:prstGeom>
-          <a:noFill/>
-          <a:extLst>
-            <a:ext uri="{909E8E84-426E-40DD-AFC4-6F175D3DCCD1}">
-              <a14:hiddenFill xmlns:a14="http://schemas.microsoft.com/office/drawing/2010/main">
-                <a:solidFill>
-                  <a:srgbClr val="FFFFFF"/>
-                </a:solidFill>
-              </a14:hiddenFill>
-            </a:ext>
-          </a:extLst>
-        </p:spPr>
-      </p:pic>
       <p:sp>
         <p:nvSpPr>
           <p:cNvPr id="4" name="Documento 3"/>
@@ -14789,8 +14644,8 @@
         </p:nvSpPr>
         <p:spPr>
           <a:xfrm>
-            <a:off x="13537406" y="9697452"/>
-            <a:ext cx="3200400" cy="2598821"/>
+            <a:off x="13981913" y="7002378"/>
+            <a:ext cx="2203337" cy="1462880"/>
           </a:xfrm>
           <a:prstGeom prst="flowChartDocument">
             <a:avLst/>
@@ -14824,7 +14679,7 @@
           <a:p>
             <a:pPr algn="ctr"/>
             <a:r>
-              <a:rPr lang="en-US" sz="4800" dirty="0" smtClean="0">
+              <a:rPr lang="en-US" sz="4000" dirty="0" smtClean="0">
                 <a:solidFill>
                   <a:sysClr val="windowText" lastClr="000000"/>
                 </a:solidFill>
@@ -14835,14 +14690,14 @@
           <a:p>
             <a:pPr algn="ctr"/>
             <a:r>
-              <a:rPr lang="en-US" sz="4800" dirty="0" smtClean="0">
+              <a:rPr lang="en-US" sz="4000" dirty="0" smtClean="0">
                 <a:solidFill>
                   <a:sysClr val="windowText" lastClr="000000"/>
                 </a:solidFill>
               </a:rPr>
               <a:t>***</a:t>
             </a:r>
-            <a:endParaRPr lang="it-IT" sz="4800" dirty="0">
+            <a:endParaRPr lang="it-IT" sz="4000" dirty="0">
               <a:solidFill>
                 <a:sysClr val="windowText" lastClr="000000"/>
               </a:solidFill>
@@ -14858,8 +14713,8 @@
         </p:nvSpPr>
         <p:spPr>
           <a:xfrm>
-            <a:off x="11258832" y="13042311"/>
-            <a:ext cx="7757548" cy="890257"/>
+            <a:off x="11204807" y="8663219"/>
+            <a:ext cx="7757548" cy="972000"/>
           </a:xfrm>
           <a:prstGeom prst="flowChartProcess">
             <a:avLst/>
@@ -14893,14 +14748,14 @@
           <a:p>
             <a:pPr algn="ctr"/>
             <a:r>
-              <a:rPr lang="en-US" sz="4800" dirty="0" smtClean="0">
+              <a:rPr lang="en-US" sz="4000" dirty="0" smtClean="0">
                 <a:solidFill>
                   <a:sysClr val="windowText" lastClr="000000"/>
                 </a:solidFill>
               </a:rPr>
               <a:t>Check if input file is empty</a:t>
             </a:r>
-            <a:endParaRPr lang="it-IT" sz="4800" dirty="0">
+            <a:endParaRPr lang="it-IT" sz="4000" dirty="0">
               <a:solidFill>
                 <a:sysClr val="windowText" lastClr="000000"/>
               </a:solidFill>
@@ -14916,8 +14771,8 @@
         </p:nvSpPr>
         <p:spPr>
           <a:xfrm>
-            <a:off x="11487338" y="14594544"/>
-            <a:ext cx="7308000" cy="2297793"/>
+            <a:off x="12461718" y="9871520"/>
+            <a:ext cx="5243725" cy="2124688"/>
           </a:xfrm>
           <a:prstGeom prst="flowChartDecision">
             <a:avLst/>
@@ -14951,7 +14806,7 @@
           <a:p>
             <a:pPr algn="ctr"/>
             <a:r>
-              <a:rPr lang="en-US" sz="4800" dirty="0" smtClean="0">
+              <a:rPr lang="en-US" sz="4000" dirty="0" smtClean="0">
                 <a:solidFill>
                   <a:sysClr val="windowText" lastClr="000000"/>
                 </a:solidFill>
@@ -14962,14 +14817,14 @@
           <a:p>
             <a:pPr algn="ctr"/>
             <a:r>
-              <a:rPr lang="en-US" sz="4800" i="1" dirty="0" err="1" smtClean="0">
+              <a:rPr lang="en-US" sz="4000" i="1" dirty="0" err="1" smtClean="0">
                 <a:solidFill>
                   <a:srgbClr val="0070C0"/>
                 </a:solidFill>
               </a:rPr>
               <a:t>flag_empty</a:t>
             </a:r>
-            <a:endParaRPr lang="it-IT" sz="4800" i="1" dirty="0">
+            <a:endParaRPr lang="it-IT" sz="4000" i="1" dirty="0">
               <a:solidFill>
                 <a:srgbClr val="0070C0"/>
               </a:solidFill>
@@ -14985,7 +14840,7 @@
         </p:nvSpPr>
         <p:spPr>
           <a:xfrm>
-            <a:off x="18313027" y="14889158"/>
+            <a:off x="17576736" y="10024936"/>
             <a:ext cx="1681871" cy="1708564"/>
           </a:xfrm>
           <a:prstGeom prst="rect">
@@ -15089,20 +14944,20 @@
           </a:lstStyle>
           <a:p>
             <a:r>
-              <a:rPr lang="en-US" sz="4000" i="1" dirty="0" smtClean="0"/>
+              <a:rPr lang="en-US" sz="3200" i="1" dirty="0" smtClean="0"/>
               <a:t>T</a:t>
             </a:r>
           </a:p>
           <a:p>
             <a:r>
-              <a:rPr lang="en-US" sz="4000" i="1" dirty="0">
+              <a:rPr lang="en-US" sz="3200" i="1" dirty="0">
                 <a:solidFill>
                   <a:srgbClr val="0070C0"/>
                 </a:solidFill>
               </a:rPr>
               <a:t>1</a:t>
             </a:r>
-            <a:endParaRPr lang="it-IT" sz="4000" i="1" dirty="0">
+            <a:endParaRPr lang="it-IT" sz="3200" i="1" dirty="0">
               <a:solidFill>
                 <a:srgbClr val="0070C0"/>
               </a:solidFill>
@@ -15118,7 +14973,7 @@
         </p:nvSpPr>
         <p:spPr>
           <a:xfrm>
-            <a:off x="14141200" y="16876245"/>
+            <a:off x="14058968" y="11662147"/>
             <a:ext cx="1992812" cy="923330"/>
           </a:xfrm>
           <a:prstGeom prst="rect">
@@ -15166,18 +15021,18 @@
           </a:lstStyle>
           <a:p>
             <a:r>
-              <a:rPr lang="en-US" sz="4000" i="1" dirty="0" smtClean="0"/>
+              <a:rPr lang="en-US" sz="3200" i="1" dirty="0" smtClean="0"/>
               <a:t>F    </a:t>
             </a:r>
             <a:r>
-              <a:rPr lang="en-US" sz="4000" i="1" dirty="0" smtClean="0">
+              <a:rPr lang="en-US" sz="3200" i="1" dirty="0" smtClean="0">
                 <a:solidFill>
                   <a:srgbClr val="0070C0"/>
                 </a:solidFill>
               </a:rPr>
               <a:t>0</a:t>
             </a:r>
-            <a:endParaRPr lang="it-IT" sz="4000" i="1" dirty="0">
+            <a:endParaRPr lang="it-IT" sz="3200" i="1" dirty="0">
               <a:solidFill>
                 <a:srgbClr val="0070C0"/>
               </a:solidFill>
@@ -15195,9 +15050,9 @@
           <p:nvPr/>
         </p:nvCxnSpPr>
         <p:spPr>
-          <a:xfrm>
-            <a:off x="15137606" y="12124462"/>
-            <a:ext cx="0" cy="917849"/>
+          <a:xfrm flipH="1">
+            <a:off x="15083581" y="8368545"/>
+            <a:ext cx="1" cy="294674"/>
           </a:xfrm>
           <a:prstGeom prst="straightConnector1">
             <a:avLst/>
@@ -15232,8 +15087,8 @@
         </p:nvCxnSpPr>
         <p:spPr>
           <a:xfrm>
-            <a:off x="15137606" y="13932568"/>
-            <a:ext cx="3732" cy="661976"/>
+            <a:off x="15083581" y="9635219"/>
+            <a:ext cx="0" cy="236301"/>
           </a:xfrm>
           <a:prstGeom prst="straightConnector1">
             <a:avLst/>
@@ -15265,8 +15120,8 @@
         </p:nvSpPr>
         <p:spPr>
           <a:xfrm>
-            <a:off x="26645805" y="15259070"/>
-            <a:ext cx="2126209" cy="968740"/>
+            <a:off x="27871492" y="10392440"/>
+            <a:ext cx="2126209" cy="1008000"/>
           </a:xfrm>
           <a:prstGeom prst="flowChartTerminator">
             <a:avLst/>
@@ -15300,14 +15155,14 @@
           <a:p>
             <a:pPr algn="ctr"/>
             <a:r>
-              <a:rPr lang="en-US" sz="4800" dirty="0" smtClean="0">
+              <a:rPr lang="en-US" sz="4000" dirty="0">
                 <a:solidFill>
                   <a:sysClr val="windowText" lastClr="000000"/>
                 </a:solidFill>
               </a:rPr>
               <a:t>End</a:t>
             </a:r>
-            <a:endParaRPr lang="it-IT" sz="4800" dirty="0">
+            <a:endParaRPr lang="it-IT" sz="4000" dirty="0">
               <a:solidFill>
                 <a:sysClr val="windowText" lastClr="000000"/>
               </a:solidFill>
@@ -15323,8 +15178,68 @@
         </p:nvSpPr>
         <p:spPr>
           <a:xfrm>
-            <a:off x="20194279" y="15259070"/>
-            <a:ext cx="5419284" cy="968740"/>
+            <a:off x="19371587" y="10389769"/>
+            <a:ext cx="5419284" cy="1008000"/>
+          </a:xfrm>
+          <a:prstGeom prst="flowChartProcess">
+            <a:avLst/>
+          </a:prstGeom>
+          <a:solidFill>
+            <a:srgbClr val="FF0000"/>
+          </a:solidFill>
+          <a:ln>
+            <a:solidFill>
+              <a:srgbClr val="D04D2A"/>
+            </a:solidFill>
+          </a:ln>
+        </p:spPr>
+        <p:style>
+          <a:lnRef idx="2">
+            <a:schemeClr val="accent1">
+              <a:shade val="50000"/>
+            </a:schemeClr>
+          </a:lnRef>
+          <a:fillRef idx="1">
+            <a:schemeClr val="accent1"/>
+          </a:fillRef>
+          <a:effectRef idx="0">
+            <a:schemeClr val="accent1"/>
+          </a:effectRef>
+          <a:fontRef idx="minor">
+            <a:schemeClr val="lt1"/>
+          </a:fontRef>
+        </p:style>
+        <p:txBody>
+          <a:bodyPr rtlCol="0" anchor="ctr"/>
+          <a:lstStyle/>
+          <a:p>
+            <a:pPr algn="ctr"/>
+            <a:r>
+              <a:rPr lang="en-US" sz="4000" dirty="0">
+                <a:solidFill>
+                  <a:sysClr val="windowText" lastClr="000000"/>
+                </a:solidFill>
+              </a:rPr>
+              <a:t>Error: *** is empty </a:t>
+            </a:r>
+            <a:endParaRPr lang="it-IT" sz="4000" dirty="0">
+              <a:solidFill>
+                <a:sysClr val="windowText" lastClr="000000"/>
+              </a:solidFill>
+            </a:endParaRPr>
+          </a:p>
+        </p:txBody>
+      </p:sp>
+      <p:sp>
+        <p:nvSpPr>
+          <p:cNvPr id="38" name="Elaborazione 37"/>
+          <p:cNvSpPr/>
+          <p:nvPr/>
+        </p:nvSpPr>
+        <p:spPr>
+          <a:xfrm>
+            <a:off x="11204807" y="12333659"/>
+            <a:ext cx="7757548" cy="1008000"/>
           </a:xfrm>
           <a:prstGeom prst="flowChartProcess">
             <a:avLst/>
@@ -15358,151 +15273,22 @@
           <a:p>
             <a:pPr algn="ctr"/>
             <a:r>
-              <a:rPr lang="en-US" sz="4800" dirty="0" smtClean="0">
+              <a:rPr lang="en-US" sz="4000" dirty="0" smtClean="0">
                 <a:solidFill>
                   <a:sysClr val="windowText" lastClr="000000"/>
                 </a:solidFill>
               </a:rPr>
-              <a:t>Error: *** is empty </a:t>
-            </a:r>
-            <a:endParaRPr lang="it-IT" sz="4800" dirty="0">
-              <a:solidFill>
-                <a:sysClr val="windowText" lastClr="000000"/>
-              </a:solidFill>
-            </a:endParaRPr>
-          </a:p>
-        </p:txBody>
-      </p:sp>
-      <p:cxnSp>
-        <p:nvCxnSpPr>
-          <p:cNvPr id="96" name="Connettore 2 95"/>
-          <p:cNvCxnSpPr>
-            <a:endCxn id="20" idx="1"/>
-          </p:cNvCxnSpPr>
-          <p:nvPr/>
-        </p:nvCxnSpPr>
-        <p:spPr>
-          <a:xfrm>
-            <a:off x="18817389" y="15743440"/>
-            <a:ext cx="1376890" cy="0"/>
-          </a:xfrm>
-          <a:prstGeom prst="straightConnector1">
-            <a:avLst/>
-          </a:prstGeom>
-          <a:ln>
-            <a:tailEnd type="triangle" w="lg" len="lg"/>
-          </a:ln>
-        </p:spPr>
-        <p:style>
-          <a:lnRef idx="1">
-            <a:schemeClr val="accent1"/>
-          </a:lnRef>
-          <a:fillRef idx="0">
-            <a:schemeClr val="accent1"/>
-          </a:fillRef>
-          <a:effectRef idx="0">
-            <a:schemeClr val="accent1"/>
-          </a:effectRef>
-          <a:fontRef idx="minor">
-            <a:schemeClr val="tx1"/>
-          </a:fontRef>
-        </p:style>
-      </p:cxnSp>
-      <p:cxnSp>
-        <p:nvCxnSpPr>
-          <p:cNvPr id="99" name="Connettore 2 98"/>
-          <p:cNvCxnSpPr>
-            <a:stCxn id="20" idx="3"/>
-            <a:endCxn id="19" idx="1"/>
-          </p:cNvCxnSpPr>
-          <p:nvPr/>
-        </p:nvCxnSpPr>
-        <p:spPr>
-          <a:xfrm>
-            <a:off x="25613563" y="15743440"/>
-            <a:ext cx="1032242" cy="0"/>
-          </a:xfrm>
-          <a:prstGeom prst="straightConnector1">
-            <a:avLst/>
-          </a:prstGeom>
-          <a:ln>
-            <a:tailEnd type="triangle" w="lg" len="lg"/>
-          </a:ln>
-        </p:spPr>
-        <p:style>
-          <a:lnRef idx="1">
-            <a:schemeClr val="accent1"/>
-          </a:lnRef>
-          <a:fillRef idx="0">
-            <a:schemeClr val="accent1"/>
-          </a:fillRef>
-          <a:effectRef idx="0">
-            <a:schemeClr val="accent1"/>
-          </a:effectRef>
-          <a:fontRef idx="minor">
-            <a:schemeClr val="tx1"/>
-          </a:fontRef>
-        </p:style>
-      </p:cxnSp>
-      <p:sp>
-        <p:nvSpPr>
-          <p:cNvPr id="38" name="Elaborazione 37"/>
-          <p:cNvSpPr/>
-          <p:nvPr/>
-        </p:nvSpPr>
-        <p:spPr>
-          <a:xfrm>
-            <a:off x="11258832" y="17837527"/>
-            <a:ext cx="7757548" cy="890257"/>
-          </a:xfrm>
-          <a:prstGeom prst="flowChartProcess">
-            <a:avLst/>
-          </a:prstGeom>
-          <a:noFill/>
-          <a:ln>
-            <a:solidFill>
-              <a:srgbClr val="D04D2A"/>
-            </a:solidFill>
-          </a:ln>
-        </p:spPr>
-        <p:style>
-          <a:lnRef idx="2">
-            <a:schemeClr val="accent1">
-              <a:shade val="50000"/>
-            </a:schemeClr>
-          </a:lnRef>
-          <a:fillRef idx="1">
-            <a:schemeClr val="accent1"/>
-          </a:fillRef>
-          <a:effectRef idx="0">
-            <a:schemeClr val="accent1"/>
-          </a:effectRef>
-          <a:fontRef idx="minor">
-            <a:schemeClr val="lt1"/>
-          </a:fontRef>
-        </p:style>
-        <p:txBody>
-          <a:bodyPr rtlCol="0" anchor="ctr"/>
-          <a:lstStyle/>
-          <a:p>
-            <a:pPr algn="ctr"/>
-            <a:r>
-              <a:rPr lang="en-US" sz="4800" dirty="0" smtClean="0">
+              <a:t>Check data structure issue</a:t>
+            </a:r>
+            <a:r>
+              <a:rPr lang="it-IT" sz="4000" dirty="0" smtClean="0">
                 <a:solidFill>
                   <a:sysClr val="windowText" lastClr="000000"/>
                 </a:solidFill>
               </a:rPr>
-              <a:t>Check data structure issue</a:t>
-            </a:r>
-            <a:r>
-              <a:rPr lang="it-IT" sz="4800" dirty="0" smtClean="0">
-                <a:solidFill>
-                  <a:sysClr val="windowText" lastClr="000000"/>
-                </a:solidFill>
-              </a:rPr>
               <a:t>s</a:t>
             </a:r>
-            <a:endParaRPr lang="en-US" sz="4800" dirty="0" smtClean="0">
+            <a:endParaRPr lang="en-US" sz="4000" dirty="0" smtClean="0">
               <a:solidFill>
                 <a:sysClr val="windowText" lastClr="000000"/>
               </a:solidFill>
@@ -15518,8 +15304,8 @@
         </p:nvSpPr>
         <p:spPr>
           <a:xfrm>
-            <a:off x="11483606" y="19642502"/>
-            <a:ext cx="7308000" cy="3518759"/>
+            <a:off x="11509934" y="13567146"/>
+            <a:ext cx="7147294" cy="2619713"/>
           </a:xfrm>
           <a:prstGeom prst="flowChartDecision">
             <a:avLst/>
@@ -15553,7 +15339,7 @@
           <a:p>
             <a:pPr algn="ctr"/>
             <a:r>
-              <a:rPr lang="en-GB" sz="4800" dirty="0">
+              <a:rPr lang="en-GB" sz="4000" dirty="0">
                 <a:solidFill>
                   <a:sysClr val="windowText" lastClr="000000"/>
                 </a:solidFill>
@@ -15564,14 +15350,14 @@
           <a:p>
             <a:pPr algn="ctr"/>
             <a:r>
-              <a:rPr lang="en-US" sz="4800" i="1" dirty="0" err="1">
+              <a:rPr lang="en-US" sz="4000" i="1" dirty="0" err="1">
                 <a:solidFill>
                   <a:srgbClr val="0070C0"/>
                 </a:solidFill>
               </a:rPr>
               <a:t>flag_error_df</a:t>
             </a:r>
-            <a:endParaRPr lang="it-IT" sz="4800" i="1" dirty="0">
+            <a:endParaRPr lang="it-IT" sz="4000" i="1" dirty="0">
               <a:solidFill>
                 <a:srgbClr val="0070C0"/>
               </a:solidFill>
@@ -15579,78 +15365,6 @@
           </a:p>
         </p:txBody>
       </p:sp>
-      <p:cxnSp>
-        <p:nvCxnSpPr>
-          <p:cNvPr id="109" name="Connettore 2 108"/>
-          <p:cNvCxnSpPr>
-            <a:stCxn id="13" idx="0"/>
-            <a:endCxn id="38" idx="0"/>
-          </p:cNvCxnSpPr>
-          <p:nvPr/>
-        </p:nvCxnSpPr>
-        <p:spPr>
-          <a:xfrm>
-            <a:off x="15137606" y="16876245"/>
-            <a:ext cx="0" cy="961282"/>
-          </a:xfrm>
-          <a:prstGeom prst="straightConnector1">
-            <a:avLst/>
-          </a:prstGeom>
-          <a:ln>
-            <a:tailEnd type="triangle" w="lg" len="lg"/>
-          </a:ln>
-        </p:spPr>
-        <p:style>
-          <a:lnRef idx="1">
-            <a:schemeClr val="accent1"/>
-          </a:lnRef>
-          <a:fillRef idx="0">
-            <a:schemeClr val="accent1"/>
-          </a:fillRef>
-          <a:effectRef idx="0">
-            <a:schemeClr val="accent1"/>
-          </a:effectRef>
-          <a:fontRef idx="minor">
-            <a:schemeClr val="tx1"/>
-          </a:fontRef>
-        </p:style>
-      </p:cxnSp>
-      <p:cxnSp>
-        <p:nvCxnSpPr>
-          <p:cNvPr id="111" name="Connettore 2 110"/>
-          <p:cNvCxnSpPr>
-            <a:stCxn id="38" idx="2"/>
-            <a:endCxn id="39" idx="0"/>
-          </p:cNvCxnSpPr>
-          <p:nvPr/>
-        </p:nvCxnSpPr>
-        <p:spPr>
-          <a:xfrm>
-            <a:off x="15137606" y="18727784"/>
-            <a:ext cx="0" cy="914718"/>
-          </a:xfrm>
-          <a:prstGeom prst="straightConnector1">
-            <a:avLst/>
-          </a:prstGeom>
-          <a:ln>
-            <a:tailEnd type="triangle" w="lg" len="lg"/>
-          </a:ln>
-        </p:spPr>
-        <p:style>
-          <a:lnRef idx="1">
-            <a:schemeClr val="accent1"/>
-          </a:lnRef>
-          <a:fillRef idx="0">
-            <a:schemeClr val="accent1"/>
-          </a:fillRef>
-          <a:effectRef idx="0">
-            <a:schemeClr val="accent1"/>
-          </a:effectRef>
-          <a:fontRef idx="minor">
-            <a:schemeClr val="tx1"/>
-          </a:fontRef>
-        </p:style>
-      </p:cxnSp>
       <p:sp>
         <p:nvSpPr>
           <p:cNvPr id="113" name="CasellaDiTesto 112"/>
@@ -15659,8 +15373,8 @@
         </p:nvSpPr>
         <p:spPr>
           <a:xfrm>
-            <a:off x="20420234" y="17497825"/>
-            <a:ext cx="4967373" cy="1569660"/>
+            <a:off x="1172615" y="10561310"/>
+            <a:ext cx="4967373" cy="1200329"/>
           </a:xfrm>
           <a:prstGeom prst="rect">
             <a:avLst/>
@@ -15684,57 +15398,19 @@
           <a:lstStyle/>
           <a:p>
             <a:r>
-              <a:rPr lang="en-US" sz="3200" dirty="0" smtClean="0"/>
+              <a:rPr lang="en-US" sz="2400" dirty="0" smtClean="0"/>
               <a:t>Note: </a:t>
             </a:r>
           </a:p>
           <a:p>
             <a:r>
-              <a:rPr lang="en-US" sz="3200" dirty="0" smtClean="0"/>
+              <a:rPr lang="en-US" sz="2400" dirty="0" smtClean="0"/>
               <a:t>Compare number of data column with header column</a:t>
             </a:r>
-            <a:endParaRPr lang="it-IT" sz="3200" dirty="0"/>
+            <a:endParaRPr lang="it-IT" sz="2400" dirty="0"/>
           </a:p>
         </p:txBody>
       </p:sp>
-      <p:cxnSp>
-        <p:nvCxnSpPr>
-          <p:cNvPr id="115" name="Connettore 2 114"/>
-          <p:cNvCxnSpPr>
-            <a:stCxn id="113" idx="1"/>
-          </p:cNvCxnSpPr>
-          <p:nvPr/>
-        </p:nvCxnSpPr>
-        <p:spPr>
-          <a:xfrm flipH="1">
-            <a:off x="19153962" y="18282655"/>
-            <a:ext cx="1266272" cy="0"/>
-          </a:xfrm>
-          <a:prstGeom prst="straightConnector1">
-            <a:avLst/>
-          </a:prstGeom>
-          <a:ln>
-            <a:solidFill>
-              <a:schemeClr val="tx1"/>
-            </a:solidFill>
-            <a:tailEnd type="triangle"/>
-          </a:ln>
-        </p:spPr>
-        <p:style>
-          <a:lnRef idx="1">
-            <a:schemeClr val="accent1"/>
-          </a:lnRef>
-          <a:fillRef idx="0">
-            <a:schemeClr val="accent1"/>
-          </a:fillRef>
-          <a:effectRef idx="0">
-            <a:schemeClr val="accent1"/>
-          </a:effectRef>
-          <a:fontRef idx="minor">
-            <a:schemeClr val="tx1"/>
-          </a:fontRef>
-        </p:style>
-      </p:cxnSp>
       <p:sp>
         <p:nvSpPr>
           <p:cNvPr id="57" name="Elaborazione 56"/>
@@ -15743,13 +15419,15 @@
         </p:nvSpPr>
         <p:spPr>
           <a:xfrm>
-            <a:off x="23004530" y="20627505"/>
+            <a:off x="22081229" y="14085665"/>
             <a:ext cx="5419284" cy="1548751"/>
           </a:xfrm>
           <a:prstGeom prst="flowChartProcess">
             <a:avLst/>
           </a:prstGeom>
-          <a:noFill/>
+          <a:solidFill>
+            <a:srgbClr val="FF0000"/>
+          </a:solidFill>
           <a:ln>
             <a:solidFill>
               <a:srgbClr val="D04D2A"/>
@@ -15778,7 +15456,7 @@
           <a:p>
             <a:pPr algn="ctr"/>
             <a:r>
-              <a:rPr lang="en-US" sz="4800" dirty="0" smtClean="0">
+              <a:rPr lang="en-US" sz="4000" dirty="0">
                 <a:solidFill>
                   <a:sysClr val="windowText" lastClr="000000"/>
                 </a:solidFill>
@@ -15786,7 +15464,7 @@
               <a:t>Error: more </a:t>
             </a:r>
             <a:r>
-              <a:rPr lang="en-US" sz="4800" dirty="0">
+              <a:rPr lang="en-US" sz="4000" dirty="0">
                 <a:solidFill>
                   <a:sysClr val="windowText" lastClr="000000"/>
                 </a:solidFill>
@@ -15794,14 +15472,14 @@
               <a:t>header than </a:t>
             </a:r>
             <a:r>
-              <a:rPr lang="en-US" sz="4800" dirty="0" smtClean="0">
+              <a:rPr lang="en-US" sz="4000" dirty="0">
                 <a:solidFill>
                   <a:sysClr val="windowText" lastClr="000000"/>
                 </a:solidFill>
               </a:rPr>
               <a:t>data!</a:t>
             </a:r>
-            <a:endParaRPr lang="it-IT" sz="4800" dirty="0">
+            <a:endParaRPr lang="it-IT" sz="4000" dirty="0">
               <a:solidFill>
                 <a:sysClr val="windowText" lastClr="000000"/>
               </a:solidFill>
@@ -15817,7 +15495,7 @@
         </p:nvSpPr>
         <p:spPr>
           <a:xfrm>
-            <a:off x="18313027" y="19957613"/>
+            <a:off x="8578283" y="13640504"/>
             <a:ext cx="4282279" cy="2304602"/>
           </a:xfrm>
           <a:prstGeom prst="rect">
@@ -15921,30 +15599,45 @@
           </a:lstStyle>
           <a:p>
             <a:r>
-              <a:rPr lang="en-US" sz="4000" i="1" dirty="0"/>
+              <a:rPr lang="en-US" sz="3200" i="1" dirty="0"/>
               <a:t>#</a:t>
             </a:r>
             <a:r>
-              <a:rPr lang="en-US" sz="4000" i="1" dirty="0" smtClean="0"/>
+              <a:rPr lang="en-US" sz="3200" i="1" dirty="0" smtClean="0"/>
               <a:t> columns </a:t>
             </a:r>
           </a:p>
           <a:p>
             <a:r>
-              <a:rPr lang="en-US" sz="4000" i="1" dirty="0" smtClean="0"/>
-              <a:t>Header &gt; data</a:t>
+              <a:rPr lang="en-US" sz="3200" i="1" dirty="0"/>
+              <a:t>h</a:t>
+            </a:r>
+            <a:r>
+              <a:rPr lang="en-US" sz="3200" i="1" dirty="0" smtClean="0"/>
+              <a:t>eader </a:t>
+            </a:r>
+            <a:r>
+              <a:rPr lang="en-US" sz="3200" i="1" dirty="0" smtClean="0"/>
+              <a:t>&gt; </a:t>
+            </a:r>
+            <a:r>
+              <a:rPr lang="en-US" sz="3200" i="1" dirty="0" smtClean="0"/>
+              <a:t>data</a:t>
             </a:r>
           </a:p>
           <a:p>
-            <a:r>
-              <a:rPr lang="en-US" sz="4000" i="1" dirty="0" smtClean="0">
+            <a:endParaRPr lang="en-US" sz="3200" i="1" dirty="0" smtClean="0"/>
+          </a:p>
+          <a:p>
+            <a:r>
+              <a:rPr lang="en-US" sz="3200" i="1" dirty="0" smtClean="0">
                 <a:solidFill>
                   <a:srgbClr val="0070C0"/>
                 </a:solidFill>
               </a:rPr>
               <a:t>-1</a:t>
             </a:r>
-            <a:endParaRPr lang="it-IT" sz="4000" i="1" dirty="0">
+            <a:endParaRPr lang="it-IT" sz="3200" i="1" dirty="0">
               <a:solidFill>
                 <a:srgbClr val="0070C0"/>
               </a:solidFill>
@@ -15952,41 +15645,6 @@
           </a:p>
         </p:txBody>
       </p:sp>
-      <p:cxnSp>
-        <p:nvCxnSpPr>
-          <p:cNvPr id="120" name="Connettore 2 119"/>
-          <p:cNvCxnSpPr>
-            <a:endCxn id="57" idx="1"/>
-          </p:cNvCxnSpPr>
-          <p:nvPr/>
-        </p:nvCxnSpPr>
-        <p:spPr>
-          <a:xfrm>
-            <a:off x="18795338" y="21398085"/>
-            <a:ext cx="4209192" cy="3796"/>
-          </a:xfrm>
-          <a:prstGeom prst="straightConnector1">
-            <a:avLst/>
-          </a:prstGeom>
-          <a:ln>
-            <a:tailEnd type="triangle" w="lg" len="lg"/>
-          </a:ln>
-        </p:spPr>
-        <p:style>
-          <a:lnRef idx="1">
-            <a:schemeClr val="accent1"/>
-          </a:lnRef>
-          <a:fillRef idx="0">
-            <a:schemeClr val="accent1"/>
-          </a:fillRef>
-          <a:effectRef idx="0">
-            <a:schemeClr val="accent1"/>
-          </a:effectRef>
-          <a:fontRef idx="minor">
-            <a:schemeClr val="tx1"/>
-          </a:fontRef>
-        </p:style>
-      </p:cxnSp>
       <p:sp>
         <p:nvSpPr>
           <p:cNvPr id="64" name="Terminatore 63"/>
@@ -15995,8 +15653,8 @@
         </p:nvSpPr>
         <p:spPr>
           <a:xfrm>
-            <a:off x="24651067" y="22535466"/>
-            <a:ext cx="2126209" cy="968740"/>
+            <a:off x="157284" y="14382802"/>
+            <a:ext cx="2126209" cy="1008000"/>
           </a:xfrm>
           <a:prstGeom prst="flowChartTerminator">
             <a:avLst/>
@@ -16030,14 +15688,14 @@
           <a:p>
             <a:pPr algn="ctr"/>
             <a:r>
-              <a:rPr lang="en-US" sz="4800" dirty="0" smtClean="0">
+              <a:rPr lang="en-US" sz="4000" dirty="0">
                 <a:solidFill>
                   <a:sysClr val="windowText" lastClr="000000"/>
                 </a:solidFill>
               </a:rPr>
               <a:t>End</a:t>
             </a:r>
-            <a:endParaRPr lang="it-IT" sz="4800" dirty="0">
+            <a:endParaRPr lang="it-IT" sz="4000" dirty="0">
               <a:solidFill>
                 <a:sysClr val="windowText" lastClr="000000"/>
               </a:solidFill>
@@ -16045,42 +15703,6 @@
           </a:p>
         </p:txBody>
       </p:sp>
-      <p:cxnSp>
-        <p:nvCxnSpPr>
-          <p:cNvPr id="124" name="Connettore 2 123"/>
-          <p:cNvCxnSpPr>
-            <a:stCxn id="57" idx="2"/>
-            <a:endCxn id="64" idx="0"/>
-          </p:cNvCxnSpPr>
-          <p:nvPr/>
-        </p:nvCxnSpPr>
-        <p:spPr>
-          <a:xfrm>
-            <a:off x="25714172" y="22176256"/>
-            <a:ext cx="0" cy="359210"/>
-          </a:xfrm>
-          <a:prstGeom prst="straightConnector1">
-            <a:avLst/>
-          </a:prstGeom>
-          <a:ln>
-            <a:tailEnd type="triangle" w="lg" len="lg"/>
-          </a:ln>
-        </p:spPr>
-        <p:style>
-          <a:lnRef idx="1">
-            <a:schemeClr val="accent1"/>
-          </a:lnRef>
-          <a:fillRef idx="0">
-            <a:schemeClr val="accent1"/>
-          </a:fillRef>
-          <a:effectRef idx="0">
-            <a:schemeClr val="accent1"/>
-          </a:effectRef>
-          <a:fontRef idx="minor">
-            <a:schemeClr val="tx1"/>
-          </a:fontRef>
-        </p:style>
-      </p:cxnSp>
       <p:sp>
         <p:nvSpPr>
           <p:cNvPr id="70" name="CasellaDiTesto 69"/>
@@ -16089,7 +15711,7 @@
         </p:nvSpPr>
         <p:spPr>
           <a:xfrm>
-            <a:off x="7609593" y="19896687"/>
+            <a:off x="18061048" y="13530336"/>
             <a:ext cx="4282279" cy="2304602"/>
           </a:xfrm>
           <a:prstGeom prst="rect">
@@ -16137,26 +15759,41 @@
           </a:lstStyle>
           <a:p>
             <a:r>
-              <a:rPr lang="en-US" dirty="0"/>
+              <a:rPr lang="en-US" sz="3200" dirty="0"/>
               <a:t># columns </a:t>
             </a:r>
           </a:p>
           <a:p>
             <a:r>
-              <a:rPr lang="en-US" dirty="0"/>
-              <a:t>Header &lt; data</a:t>
+              <a:rPr lang="en-US" sz="3200" dirty="0"/>
+              <a:t>h</a:t>
+            </a:r>
+            <a:r>
+              <a:rPr lang="en-US" sz="3200" dirty="0" smtClean="0"/>
+              <a:t>eader </a:t>
+            </a:r>
+            <a:r>
+              <a:rPr lang="en-US" sz="3200" dirty="0"/>
+              <a:t>&lt; </a:t>
+            </a:r>
+            <a:r>
+              <a:rPr lang="en-US" sz="3200" dirty="0" smtClean="0"/>
+              <a:t>data</a:t>
             </a:r>
           </a:p>
           <a:p>
-            <a:r>
-              <a:rPr lang="en-US" dirty="0" smtClean="0">
+            <a:endParaRPr lang="en-US" sz="3200" dirty="0"/>
+          </a:p>
+          <a:p>
+            <a:r>
+              <a:rPr lang="en-US" sz="3200" dirty="0" smtClean="0">
                 <a:solidFill>
                   <a:srgbClr val="0070C0"/>
                 </a:solidFill>
               </a:rPr>
               <a:t>1</a:t>
             </a:r>
-            <a:endParaRPr lang="it-IT" dirty="0">
+            <a:endParaRPr lang="it-IT" sz="3200" dirty="0">
               <a:solidFill>
                 <a:srgbClr val="0070C0"/>
               </a:solidFill>
@@ -16172,13 +15809,15 @@
         </p:nvSpPr>
         <p:spPr>
           <a:xfrm>
-            <a:off x="1234385" y="20628256"/>
+            <a:off x="2735578" y="14103002"/>
             <a:ext cx="6653310" cy="1548000"/>
           </a:xfrm>
           <a:prstGeom prst="flowChartProcess">
             <a:avLst/>
           </a:prstGeom>
-          <a:noFill/>
+          <a:solidFill>
+            <a:srgbClr val="FF0000"/>
+          </a:solidFill>
           <a:ln>
             <a:solidFill>
               <a:srgbClr val="D04D2A"/>
@@ -16207,14 +15846,14 @@
           <a:p>
             <a:pPr algn="ctr"/>
             <a:r>
-              <a:rPr lang="en-US" sz="4800" dirty="0" smtClean="0">
+              <a:rPr lang="en-US" sz="4000" dirty="0">
                 <a:solidFill>
                   <a:sysClr val="windowText" lastClr="000000"/>
                 </a:solidFill>
               </a:rPr>
               <a:t>Error: header not defined or manipulation errors</a:t>
             </a:r>
-            <a:endParaRPr lang="it-IT" sz="4800" dirty="0">
+            <a:endParaRPr lang="it-IT" sz="4000" dirty="0">
               <a:solidFill>
                 <a:sysClr val="windowText" lastClr="000000"/>
               </a:solidFill>
@@ -16230,7 +15869,7 @@
         </p:nvSpPr>
         <p:spPr>
           <a:xfrm>
-            <a:off x="3497935" y="22535466"/>
+            <a:off x="27871491" y="14382802"/>
             <a:ext cx="2126209" cy="968740"/>
           </a:xfrm>
           <a:prstGeom prst="flowChartTerminator">
@@ -16265,14 +15904,14 @@
           <a:p>
             <a:pPr algn="ctr"/>
             <a:r>
-              <a:rPr lang="en-US" sz="4800" dirty="0" smtClean="0">
+              <a:rPr lang="en-US" sz="4000" dirty="0">
                 <a:solidFill>
                   <a:sysClr val="windowText" lastClr="000000"/>
                 </a:solidFill>
               </a:rPr>
               <a:t>End</a:t>
             </a:r>
-            <a:endParaRPr lang="it-IT" sz="4800" dirty="0">
+            <a:endParaRPr lang="it-IT" sz="4000" dirty="0">
               <a:solidFill>
                 <a:sysClr val="windowText" lastClr="000000"/>
               </a:solidFill>
@@ -16280,75 +15919,6 @@
           </a:p>
         </p:txBody>
       </p:sp>
-      <p:cxnSp>
-        <p:nvCxnSpPr>
-          <p:cNvPr id="127" name="Connettore 2 126"/>
-          <p:cNvCxnSpPr>
-            <a:stCxn id="71" idx="2"/>
-            <a:endCxn id="72" idx="0"/>
-          </p:cNvCxnSpPr>
-          <p:nvPr/>
-        </p:nvCxnSpPr>
-        <p:spPr>
-          <a:xfrm>
-            <a:off x="4561040" y="22176256"/>
-            <a:ext cx="0" cy="359210"/>
-          </a:xfrm>
-          <a:prstGeom prst="straightConnector1">
-            <a:avLst/>
-          </a:prstGeom>
-          <a:ln>
-            <a:tailEnd type="triangle" w="lg" len="lg"/>
-          </a:ln>
-        </p:spPr>
-        <p:style>
-          <a:lnRef idx="1">
-            <a:schemeClr val="accent1"/>
-          </a:lnRef>
-          <a:fillRef idx="0">
-            <a:schemeClr val="accent1"/>
-          </a:fillRef>
-          <a:effectRef idx="0">
-            <a:schemeClr val="accent1"/>
-          </a:effectRef>
-          <a:fontRef idx="minor">
-            <a:schemeClr val="tx1"/>
-          </a:fontRef>
-        </p:style>
-      </p:cxnSp>
-      <p:cxnSp>
-        <p:nvCxnSpPr>
-          <p:cNvPr id="34" name="Connettore 2 33"/>
-          <p:cNvCxnSpPr/>
-          <p:nvPr/>
-        </p:nvCxnSpPr>
-        <p:spPr>
-          <a:xfrm flipH="1">
-            <a:off x="7887695" y="21398085"/>
-            <a:ext cx="3545698" cy="0"/>
-          </a:xfrm>
-          <a:prstGeom prst="straightConnector1">
-            <a:avLst/>
-          </a:prstGeom>
-          <a:ln>
-            <a:tailEnd type="triangle" w="lg" len="lg"/>
-          </a:ln>
-        </p:spPr>
-        <p:style>
-          <a:lnRef idx="1">
-            <a:schemeClr val="accent1"/>
-          </a:lnRef>
-          <a:fillRef idx="0">
-            <a:schemeClr val="accent1"/>
-          </a:fillRef>
-          <a:effectRef idx="0">
-            <a:schemeClr val="accent1"/>
-          </a:effectRef>
-          <a:fontRef idx="minor">
-            <a:schemeClr val="tx1"/>
-          </a:fontRef>
-        </p:style>
-      </p:cxnSp>
       <p:sp>
         <p:nvSpPr>
           <p:cNvPr id="80" name="CasellaDiTesto 79"/>
@@ -16357,7 +15927,7 @@
         </p:nvSpPr>
         <p:spPr>
           <a:xfrm>
-            <a:off x="11891872" y="22414738"/>
+            <a:off x="12264382" y="15356245"/>
             <a:ext cx="5214098" cy="1632454"/>
           </a:xfrm>
           <a:prstGeom prst="rect">
@@ -16406,25 +15976,33 @@
           <a:p>
             <a:pPr algn="l"/>
             <a:r>
-              <a:rPr lang="en-US" dirty="0"/>
+              <a:rPr lang="en-US" sz="3200" dirty="0"/>
               <a:t># columns </a:t>
             </a:r>
           </a:p>
           <a:p>
             <a:pPr algn="l"/>
             <a:r>
-              <a:rPr lang="en-US" dirty="0"/>
-              <a:t>Header &lt; data       </a:t>
-            </a:r>
-            <a:r>
-              <a:rPr lang="en-US" dirty="0">
+              <a:rPr lang="en-US" sz="3200" dirty="0"/>
+              <a:t>h</a:t>
+            </a:r>
+            <a:r>
+              <a:rPr lang="en-US" sz="3200" dirty="0" smtClean="0"/>
+              <a:t>eader </a:t>
+            </a:r>
+            <a:r>
+              <a:rPr lang="en-US" sz="3200" dirty="0"/>
+              <a:t>&lt; data       </a:t>
+            </a:r>
+            <a:r>
+              <a:rPr lang="en-US" sz="3200" dirty="0">
                 <a:solidFill>
                   <a:srgbClr val="0070C0"/>
                 </a:solidFill>
               </a:rPr>
               <a:t>0</a:t>
             </a:r>
-            <a:endParaRPr lang="it-IT" dirty="0">
+            <a:endParaRPr lang="it-IT" sz="3200" dirty="0">
               <a:solidFill>
                 <a:srgbClr val="0070C0"/>
               </a:solidFill>
@@ -16432,6 +16010,3040 @@
           </a:p>
         </p:txBody>
       </p:sp>
+      <p:cxnSp>
+        <p:nvCxnSpPr>
+          <p:cNvPr id="27" name="Connettore 2 26"/>
+          <p:cNvCxnSpPr>
+            <a:stCxn id="6" idx="3"/>
+            <a:endCxn id="20" idx="1"/>
+          </p:cNvCxnSpPr>
+          <p:nvPr/>
+        </p:nvCxnSpPr>
+        <p:spPr>
+          <a:xfrm flipV="1">
+            <a:off x="17705443" y="10893769"/>
+            <a:ext cx="1666144" cy="40095"/>
+          </a:xfrm>
+          <a:prstGeom prst="straightConnector1">
+            <a:avLst/>
+          </a:prstGeom>
+          <a:ln>
+            <a:tailEnd type="triangle" w="lg" len="lg"/>
+          </a:ln>
+        </p:spPr>
+        <p:style>
+          <a:lnRef idx="1">
+            <a:schemeClr val="accent1"/>
+          </a:lnRef>
+          <a:fillRef idx="0">
+            <a:schemeClr val="accent1"/>
+          </a:fillRef>
+          <a:effectRef idx="0">
+            <a:schemeClr val="accent1"/>
+          </a:effectRef>
+          <a:fontRef idx="minor">
+            <a:schemeClr val="tx1"/>
+          </a:fontRef>
+        </p:style>
+      </p:cxnSp>
+      <p:sp>
+        <p:nvSpPr>
+          <p:cNvPr id="90" name="Elaborazione 89"/>
+          <p:cNvSpPr/>
+          <p:nvPr/>
+        </p:nvSpPr>
+        <p:spPr>
+          <a:xfrm>
+            <a:off x="12152118" y="16678701"/>
+            <a:ext cx="5858895" cy="972000"/>
+          </a:xfrm>
+          <a:prstGeom prst="flowChartProcess">
+            <a:avLst/>
+          </a:prstGeom>
+          <a:noFill/>
+          <a:ln>
+            <a:solidFill>
+              <a:srgbClr val="D04D2A"/>
+            </a:solidFill>
+          </a:ln>
+        </p:spPr>
+        <p:style>
+          <a:lnRef idx="2">
+            <a:schemeClr val="accent1">
+              <a:shade val="50000"/>
+            </a:schemeClr>
+          </a:lnRef>
+          <a:fillRef idx="1">
+            <a:schemeClr val="accent1"/>
+          </a:fillRef>
+          <a:effectRef idx="0">
+            <a:schemeClr val="accent1"/>
+          </a:effectRef>
+          <a:fontRef idx="minor">
+            <a:schemeClr val="lt1"/>
+          </a:fontRef>
+        </p:style>
+        <p:txBody>
+          <a:bodyPr rtlCol="0" anchor="ctr"/>
+          <a:lstStyle/>
+          <a:p>
+            <a:pPr algn="ctr"/>
+            <a:r>
+              <a:rPr lang="en-US" sz="4000" dirty="0" smtClean="0">
+                <a:solidFill>
+                  <a:sysClr val="windowText" lastClr="000000"/>
+                </a:solidFill>
+              </a:rPr>
+              <a:t>Check </a:t>
+            </a:r>
+            <a:r>
+              <a:rPr lang="en-US" sz="4000" dirty="0" smtClean="0">
+                <a:solidFill>
+                  <a:sysClr val="windowText" lastClr="000000"/>
+                </a:solidFill>
+              </a:rPr>
+              <a:t>last download date</a:t>
+            </a:r>
+            <a:endParaRPr lang="en-US" sz="4000" dirty="0" smtClean="0">
+              <a:solidFill>
+                <a:sysClr val="windowText" lastClr="000000"/>
+              </a:solidFill>
+            </a:endParaRPr>
+          </a:p>
+        </p:txBody>
+      </p:sp>
+      <p:sp>
+        <p:nvSpPr>
+          <p:cNvPr id="100" name="Decisione 99"/>
+          <p:cNvSpPr/>
+          <p:nvPr/>
+        </p:nvSpPr>
+        <p:spPr>
+          <a:xfrm>
+            <a:off x="10793559" y="17998190"/>
+            <a:ext cx="8576012" cy="2619713"/>
+          </a:xfrm>
+          <a:prstGeom prst="flowChartDecision">
+            <a:avLst/>
+          </a:prstGeom>
+          <a:noFill/>
+          <a:ln>
+            <a:solidFill>
+              <a:srgbClr val="D04D2A"/>
+            </a:solidFill>
+          </a:ln>
+        </p:spPr>
+        <p:style>
+          <a:lnRef idx="2">
+            <a:schemeClr val="accent1">
+              <a:shade val="50000"/>
+            </a:schemeClr>
+          </a:lnRef>
+          <a:fillRef idx="1">
+            <a:schemeClr val="accent1"/>
+          </a:fillRef>
+          <a:effectRef idx="0">
+            <a:schemeClr val="accent1"/>
+          </a:effectRef>
+          <a:fontRef idx="minor">
+            <a:schemeClr val="lt1"/>
+          </a:fontRef>
+        </p:style>
+        <p:txBody>
+          <a:bodyPr rtlCol="0" anchor="ctr"/>
+          <a:lstStyle/>
+          <a:p>
+            <a:pPr algn="ctr"/>
+            <a:r>
+              <a:rPr lang="en-GB" sz="4000" dirty="0" smtClean="0">
+                <a:solidFill>
+                  <a:sysClr val="windowText" lastClr="000000"/>
+                </a:solidFill>
+              </a:rPr>
+              <a:t>Last file date is last download date?</a:t>
+            </a:r>
+            <a:endParaRPr lang="en-GB" sz="4000" dirty="0">
+              <a:solidFill>
+                <a:sysClr val="windowText" lastClr="000000"/>
+              </a:solidFill>
+            </a:endParaRPr>
+          </a:p>
+          <a:p>
+            <a:pPr algn="ctr"/>
+            <a:r>
+              <a:rPr lang="en-US" sz="4000" i="1" dirty="0" err="1" smtClean="0">
+                <a:solidFill>
+                  <a:srgbClr val="0070C0"/>
+                </a:solidFill>
+              </a:rPr>
+              <a:t>flag_date</a:t>
+            </a:r>
+            <a:endParaRPr lang="it-IT" sz="4000" i="1" dirty="0">
+              <a:solidFill>
+                <a:srgbClr val="0070C0"/>
+              </a:solidFill>
+            </a:endParaRPr>
+          </a:p>
+        </p:txBody>
+      </p:sp>
+      <p:sp>
+        <p:nvSpPr>
+          <p:cNvPr id="110" name="Elaborazione 109"/>
+          <p:cNvSpPr/>
+          <p:nvPr/>
+        </p:nvSpPr>
+        <p:spPr>
+          <a:xfrm>
+            <a:off x="12152118" y="21051947"/>
+            <a:ext cx="5858895" cy="972000"/>
+          </a:xfrm>
+          <a:prstGeom prst="flowChartProcess">
+            <a:avLst/>
+          </a:prstGeom>
+          <a:noFill/>
+          <a:ln>
+            <a:solidFill>
+              <a:srgbClr val="D04D2A"/>
+            </a:solidFill>
+          </a:ln>
+        </p:spPr>
+        <p:style>
+          <a:lnRef idx="2">
+            <a:schemeClr val="accent1">
+              <a:shade val="50000"/>
+            </a:schemeClr>
+          </a:lnRef>
+          <a:fillRef idx="1">
+            <a:schemeClr val="accent1"/>
+          </a:fillRef>
+          <a:effectRef idx="0">
+            <a:schemeClr val="accent1"/>
+          </a:effectRef>
+          <a:fontRef idx="minor">
+            <a:schemeClr val="lt1"/>
+          </a:fontRef>
+        </p:style>
+        <p:txBody>
+          <a:bodyPr rtlCol="0" anchor="ctr"/>
+          <a:lstStyle/>
+          <a:p>
+            <a:pPr algn="ctr"/>
+            <a:r>
+              <a:rPr lang="en-US" sz="4000" dirty="0" smtClean="0">
+                <a:solidFill>
+                  <a:sysClr val="windowText" lastClr="000000"/>
+                </a:solidFill>
+              </a:rPr>
+              <a:t>Deletes duplicated rows</a:t>
+            </a:r>
+            <a:endParaRPr lang="en-US" sz="4000" dirty="0" smtClean="0">
+              <a:solidFill>
+                <a:sysClr val="windowText" lastClr="000000"/>
+              </a:solidFill>
+            </a:endParaRPr>
+          </a:p>
+        </p:txBody>
+      </p:sp>
+      <p:sp>
+        <p:nvSpPr>
+          <p:cNvPr id="112" name="CasellaDiTesto 111"/>
+          <p:cNvSpPr txBox="1"/>
+          <p:nvPr/>
+        </p:nvSpPr>
+        <p:spPr>
+          <a:xfrm>
+            <a:off x="14048140" y="20342587"/>
+            <a:ext cx="1992812" cy="923330"/>
+          </a:xfrm>
+          <a:prstGeom prst="rect">
+            <a:avLst/>
+          </a:prstGeom>
+          <a:noFill/>
+          <a:ln>
+            <a:noFill/>
+          </a:ln>
+        </p:spPr>
+        <p:style>
+          <a:lnRef idx="2">
+            <a:schemeClr val="accent1">
+              <a:shade val="50000"/>
+            </a:schemeClr>
+          </a:lnRef>
+          <a:fillRef idx="1">
+            <a:schemeClr val="accent1"/>
+          </a:fillRef>
+          <a:effectRef idx="0">
+            <a:schemeClr val="accent1"/>
+          </a:effectRef>
+          <a:fontRef idx="minor">
+            <a:schemeClr val="lt1"/>
+          </a:fontRef>
+        </p:style>
+        <p:txBody>
+          <a:bodyPr rot="0" spcFirstLastPara="0" vertOverflow="overflow" horzOverflow="overflow" vert="horz" wrap="square" lIns="91440" tIns="45720" rIns="91440" bIns="45720" numCol="1" spcCol="0" rtlCol="0" fromWordArt="0" anchor="ctr" anchorCtr="0" forceAA="0" compatLnSpc="1">
+            <a:prstTxWarp prst="textNoShape">
+              <a:avLst/>
+            </a:prstTxWarp>
+            <a:noAutofit/>
+          </a:bodyPr>
+          <a:lstStyle>
+            <a:defPPr>
+              <a:defRPr lang="de-DE"/>
+            </a:defPPr>
+            <a:lvl1pPr algn="ctr">
+              <a:defRPr sz="4800">
+                <a:solidFill>
+                  <a:sysClr val="windowText" lastClr="000000"/>
+                </a:solidFill>
+              </a:defRPr>
+            </a:lvl1pPr>
+          </a:lstStyle>
+          <a:p>
+            <a:r>
+              <a:rPr lang="en-US" sz="3200" i="1" dirty="0" smtClean="0"/>
+              <a:t>T    </a:t>
+            </a:r>
+            <a:r>
+              <a:rPr lang="en-US" sz="3200" i="1" dirty="0" smtClean="0">
+                <a:solidFill>
+                  <a:srgbClr val="0070C0"/>
+                </a:solidFill>
+              </a:rPr>
+              <a:t>0</a:t>
+            </a:r>
+            <a:endParaRPr lang="it-IT" sz="3200" i="1" dirty="0">
+              <a:solidFill>
+                <a:srgbClr val="0070C0"/>
+              </a:solidFill>
+            </a:endParaRPr>
+          </a:p>
+        </p:txBody>
+      </p:sp>
+      <p:sp>
+        <p:nvSpPr>
+          <p:cNvPr id="114" name="CasellaDiTesto 113"/>
+          <p:cNvSpPr txBox="1"/>
+          <p:nvPr/>
+        </p:nvSpPr>
+        <p:spPr>
+          <a:xfrm>
+            <a:off x="18651298" y="18846381"/>
+            <a:ext cx="1992812" cy="923330"/>
+          </a:xfrm>
+          <a:prstGeom prst="rect">
+            <a:avLst/>
+          </a:prstGeom>
+          <a:noFill/>
+          <a:ln>
+            <a:noFill/>
+          </a:ln>
+        </p:spPr>
+        <p:style>
+          <a:lnRef idx="2">
+            <a:schemeClr val="accent1">
+              <a:shade val="50000"/>
+            </a:schemeClr>
+          </a:lnRef>
+          <a:fillRef idx="1">
+            <a:schemeClr val="accent1"/>
+          </a:fillRef>
+          <a:effectRef idx="0">
+            <a:schemeClr val="accent1"/>
+          </a:effectRef>
+          <a:fontRef idx="minor">
+            <a:schemeClr val="lt1"/>
+          </a:fontRef>
+        </p:style>
+        <p:txBody>
+          <a:bodyPr rot="0" spcFirstLastPara="0" vertOverflow="overflow" horzOverflow="overflow" vert="horz" wrap="square" lIns="91440" tIns="45720" rIns="91440" bIns="45720" numCol="1" spcCol="0" rtlCol="0" fromWordArt="0" anchor="ctr" anchorCtr="0" forceAA="0" compatLnSpc="1">
+            <a:prstTxWarp prst="textNoShape">
+              <a:avLst/>
+            </a:prstTxWarp>
+            <a:noAutofit/>
+          </a:bodyPr>
+          <a:lstStyle>
+            <a:defPPr>
+              <a:defRPr lang="de-DE"/>
+            </a:defPPr>
+            <a:lvl1pPr algn="ctr">
+              <a:defRPr sz="4800">
+                <a:solidFill>
+                  <a:sysClr val="windowText" lastClr="000000"/>
+                </a:solidFill>
+              </a:defRPr>
+            </a:lvl1pPr>
+          </a:lstStyle>
+          <a:p>
+            <a:r>
+              <a:rPr lang="en-US" sz="3200" i="1" dirty="0" smtClean="0"/>
+              <a:t>F</a:t>
+            </a:r>
+          </a:p>
+          <a:p>
+            <a:r>
+              <a:rPr lang="en-US" sz="3200" i="1" dirty="0">
+                <a:solidFill>
+                  <a:srgbClr val="0070C0"/>
+                </a:solidFill>
+              </a:rPr>
+              <a:t>1</a:t>
+            </a:r>
+            <a:endParaRPr lang="it-IT" sz="3200" i="1" dirty="0">
+              <a:solidFill>
+                <a:srgbClr val="0070C0"/>
+              </a:solidFill>
+            </a:endParaRPr>
+          </a:p>
+        </p:txBody>
+      </p:sp>
+      <p:sp>
+        <p:nvSpPr>
+          <p:cNvPr id="116" name="Elaborazione 115"/>
+          <p:cNvSpPr/>
+          <p:nvPr/>
+        </p:nvSpPr>
+        <p:spPr>
+          <a:xfrm>
+            <a:off x="22081228" y="18534046"/>
+            <a:ext cx="4541891" cy="1548000"/>
+          </a:xfrm>
+          <a:prstGeom prst="flowChartProcess">
+            <a:avLst/>
+          </a:prstGeom>
+          <a:solidFill>
+            <a:srgbClr val="FF0000"/>
+          </a:solidFill>
+          <a:ln>
+            <a:solidFill>
+              <a:srgbClr val="D04D2A"/>
+            </a:solidFill>
+          </a:ln>
+        </p:spPr>
+        <p:style>
+          <a:lnRef idx="2">
+            <a:schemeClr val="accent1">
+              <a:shade val="50000"/>
+            </a:schemeClr>
+          </a:lnRef>
+          <a:fillRef idx="1">
+            <a:schemeClr val="accent1"/>
+          </a:fillRef>
+          <a:effectRef idx="0">
+            <a:schemeClr val="accent1"/>
+          </a:effectRef>
+          <a:fontRef idx="minor">
+            <a:schemeClr val="lt1"/>
+          </a:fontRef>
+        </p:style>
+        <p:txBody>
+          <a:bodyPr rtlCol="0" anchor="ctr"/>
+          <a:lstStyle/>
+          <a:p>
+            <a:pPr algn="ctr"/>
+            <a:r>
+              <a:rPr lang="en-US" sz="4000" dirty="0">
+                <a:solidFill>
+                  <a:sysClr val="windowText" lastClr="000000"/>
+                </a:solidFill>
+              </a:rPr>
+              <a:t>Error: File already process</a:t>
+            </a:r>
+            <a:endParaRPr lang="it-IT" sz="4000" dirty="0">
+              <a:solidFill>
+                <a:sysClr val="windowText" lastClr="000000"/>
+              </a:solidFill>
+            </a:endParaRPr>
+          </a:p>
+        </p:txBody>
+      </p:sp>
+      <p:sp>
+        <p:nvSpPr>
+          <p:cNvPr id="118" name="Terminatore 117"/>
+          <p:cNvSpPr/>
+          <p:nvPr/>
+        </p:nvSpPr>
+        <p:spPr>
+          <a:xfrm>
+            <a:off x="27799338" y="18804046"/>
+            <a:ext cx="2126209" cy="1008000"/>
+          </a:xfrm>
+          <a:prstGeom prst="flowChartTerminator">
+            <a:avLst/>
+          </a:prstGeom>
+          <a:noFill/>
+          <a:ln>
+            <a:solidFill>
+              <a:srgbClr val="D04D2A"/>
+            </a:solidFill>
+          </a:ln>
+        </p:spPr>
+        <p:style>
+          <a:lnRef idx="2">
+            <a:schemeClr val="accent1">
+              <a:shade val="50000"/>
+            </a:schemeClr>
+          </a:lnRef>
+          <a:fillRef idx="1">
+            <a:schemeClr val="accent1"/>
+          </a:fillRef>
+          <a:effectRef idx="0">
+            <a:schemeClr val="accent1"/>
+          </a:effectRef>
+          <a:fontRef idx="minor">
+            <a:schemeClr val="lt1"/>
+          </a:fontRef>
+        </p:style>
+        <p:txBody>
+          <a:bodyPr rtlCol="0" anchor="ctr"/>
+          <a:lstStyle/>
+          <a:p>
+            <a:pPr algn="ctr"/>
+            <a:r>
+              <a:rPr lang="en-US" sz="4000" dirty="0">
+                <a:solidFill>
+                  <a:sysClr val="windowText" lastClr="000000"/>
+                </a:solidFill>
+              </a:rPr>
+              <a:t>End</a:t>
+            </a:r>
+            <a:endParaRPr lang="it-IT" sz="4000" dirty="0">
+              <a:solidFill>
+                <a:sysClr val="windowText" lastClr="000000"/>
+              </a:solidFill>
+            </a:endParaRPr>
+          </a:p>
+        </p:txBody>
+      </p:sp>
+      <p:cxnSp>
+        <p:nvCxnSpPr>
+          <p:cNvPr id="126" name="Connettore 2 125"/>
+          <p:cNvCxnSpPr>
+            <a:stCxn id="100" idx="2"/>
+            <a:endCxn id="110" idx="0"/>
+          </p:cNvCxnSpPr>
+          <p:nvPr/>
+        </p:nvCxnSpPr>
+        <p:spPr>
+          <a:xfrm>
+            <a:off x="15081565" y="20617903"/>
+            <a:ext cx="1" cy="434044"/>
+          </a:xfrm>
+          <a:prstGeom prst="straightConnector1">
+            <a:avLst/>
+          </a:prstGeom>
+          <a:ln>
+            <a:tailEnd type="triangle"/>
+          </a:ln>
+        </p:spPr>
+        <p:style>
+          <a:lnRef idx="1">
+            <a:schemeClr val="accent1"/>
+          </a:lnRef>
+          <a:fillRef idx="0">
+            <a:schemeClr val="accent1"/>
+          </a:fillRef>
+          <a:effectRef idx="0">
+            <a:schemeClr val="accent1"/>
+          </a:effectRef>
+          <a:fontRef idx="minor">
+            <a:schemeClr val="tx1"/>
+          </a:fontRef>
+        </p:style>
+      </p:cxnSp>
+      <p:sp>
+        <p:nvSpPr>
+          <p:cNvPr id="138" name="CasellaDiTesto 137"/>
+          <p:cNvSpPr txBox="1"/>
+          <p:nvPr/>
+        </p:nvSpPr>
+        <p:spPr>
+          <a:xfrm>
+            <a:off x="1172614" y="16195205"/>
+            <a:ext cx="4967373" cy="1938992"/>
+          </a:xfrm>
+          <a:prstGeom prst="rect">
+            <a:avLst/>
+          </a:prstGeom>
+          <a:solidFill>
+            <a:schemeClr val="accent2">
+              <a:lumMod val="20000"/>
+              <a:lumOff val="80000"/>
+            </a:schemeClr>
+          </a:solidFill>
+          <a:ln>
+            <a:solidFill>
+              <a:schemeClr val="tx1"/>
+            </a:solidFill>
+          </a:ln>
+        </p:spPr>
+        <p:txBody>
+          <a:bodyPr wrap="square" rtlCol="0">
+            <a:spAutoFit/>
+          </a:bodyPr>
+          <a:lstStyle/>
+          <a:p>
+            <a:r>
+              <a:rPr lang="en-US" sz="2400" dirty="0" smtClean="0"/>
+              <a:t>Note: </a:t>
+            </a:r>
+          </a:p>
+          <a:p>
+            <a:r>
+              <a:rPr lang="en-US" sz="2400" dirty="0" smtClean="0"/>
+              <a:t>Compare last date in files with last date in download table. If download table is higher or equal to date file, file is already process.</a:t>
+            </a:r>
+            <a:endParaRPr lang="it-IT" sz="2400" dirty="0"/>
+          </a:p>
+        </p:txBody>
+      </p:sp>
+      <p:sp>
+        <p:nvSpPr>
+          <p:cNvPr id="142" name="Elaborazione 141"/>
+          <p:cNvSpPr/>
+          <p:nvPr/>
+        </p:nvSpPr>
+        <p:spPr>
+          <a:xfrm>
+            <a:off x="12153007" y="22444162"/>
+            <a:ext cx="5858895" cy="972000"/>
+          </a:xfrm>
+          <a:prstGeom prst="flowChartProcess">
+            <a:avLst/>
+          </a:prstGeom>
+          <a:noFill/>
+          <a:ln>
+            <a:solidFill>
+              <a:srgbClr val="D04D2A"/>
+            </a:solidFill>
+          </a:ln>
+        </p:spPr>
+        <p:style>
+          <a:lnRef idx="2">
+            <a:schemeClr val="accent1">
+              <a:shade val="50000"/>
+            </a:schemeClr>
+          </a:lnRef>
+          <a:fillRef idx="1">
+            <a:schemeClr val="accent1"/>
+          </a:fillRef>
+          <a:effectRef idx="0">
+            <a:schemeClr val="accent1"/>
+          </a:effectRef>
+          <a:fontRef idx="minor">
+            <a:schemeClr val="lt1"/>
+          </a:fontRef>
+        </p:style>
+        <p:txBody>
+          <a:bodyPr rtlCol="0" anchor="ctr"/>
+          <a:lstStyle/>
+          <a:p>
+            <a:pPr algn="ctr"/>
+            <a:r>
+              <a:rPr lang="en-US" sz="4000" dirty="0" smtClean="0">
+                <a:solidFill>
+                  <a:sysClr val="windowText" lastClr="000000"/>
+                </a:solidFill>
+              </a:rPr>
+              <a:t>Detect overlaps</a:t>
+            </a:r>
+            <a:endParaRPr lang="en-US" sz="4000" dirty="0" smtClean="0">
+              <a:solidFill>
+                <a:sysClr val="windowText" lastClr="000000"/>
+              </a:solidFill>
+            </a:endParaRPr>
+          </a:p>
+        </p:txBody>
+      </p:sp>
+      <p:cxnSp>
+        <p:nvCxnSpPr>
+          <p:cNvPr id="1050" name="Connettore 2 1049"/>
+          <p:cNvCxnSpPr>
+            <a:stCxn id="110" idx="2"/>
+            <a:endCxn id="142" idx="0"/>
+          </p:cNvCxnSpPr>
+          <p:nvPr/>
+        </p:nvCxnSpPr>
+        <p:spPr>
+          <a:xfrm>
+            <a:off x="15081566" y="22023947"/>
+            <a:ext cx="889" cy="420215"/>
+          </a:xfrm>
+          <a:prstGeom prst="straightConnector1">
+            <a:avLst/>
+          </a:prstGeom>
+          <a:ln>
+            <a:tailEnd type="triangle"/>
+          </a:ln>
+        </p:spPr>
+        <p:style>
+          <a:lnRef idx="1">
+            <a:schemeClr val="accent1"/>
+          </a:lnRef>
+          <a:fillRef idx="0">
+            <a:schemeClr val="accent1"/>
+          </a:fillRef>
+          <a:effectRef idx="0">
+            <a:schemeClr val="accent1"/>
+          </a:effectRef>
+          <a:fontRef idx="minor">
+            <a:schemeClr val="tx1"/>
+          </a:fontRef>
+        </p:style>
+      </p:cxnSp>
+      <p:sp>
+        <p:nvSpPr>
+          <p:cNvPr id="167" name="CasellaDiTesto 166"/>
+          <p:cNvSpPr txBox="1"/>
+          <p:nvPr/>
+        </p:nvSpPr>
+        <p:spPr>
+          <a:xfrm>
+            <a:off x="1312863" y="20245194"/>
+            <a:ext cx="4827124" cy="830997"/>
+          </a:xfrm>
+          <a:prstGeom prst="rect">
+            <a:avLst/>
+          </a:prstGeom>
+          <a:solidFill>
+            <a:schemeClr val="accent2">
+              <a:lumMod val="20000"/>
+              <a:lumOff val="80000"/>
+            </a:schemeClr>
+          </a:solidFill>
+          <a:ln>
+            <a:solidFill>
+              <a:schemeClr val="tx1"/>
+            </a:solidFill>
+          </a:ln>
+        </p:spPr>
+        <p:txBody>
+          <a:bodyPr wrap="square" rtlCol="0">
+            <a:spAutoFit/>
+          </a:bodyPr>
+          <a:lstStyle/>
+          <a:p>
+            <a:r>
+              <a:rPr lang="en-US" sz="2400" dirty="0" smtClean="0"/>
+              <a:t>Note: </a:t>
+            </a:r>
+            <a:endParaRPr lang="en-US" sz="2400" dirty="0" smtClean="0"/>
+          </a:p>
+          <a:p>
+            <a:r>
+              <a:rPr lang="en-US" sz="2400" dirty="0" smtClean="0"/>
+              <a:t>Identical rows are deletes</a:t>
+            </a:r>
+            <a:endParaRPr lang="it-IT" sz="2400" dirty="0"/>
+          </a:p>
+        </p:txBody>
+      </p:sp>
+      <p:sp>
+        <p:nvSpPr>
+          <p:cNvPr id="168" name="CasellaDiTesto 167"/>
+          <p:cNvSpPr txBox="1"/>
+          <p:nvPr/>
+        </p:nvSpPr>
+        <p:spPr>
+          <a:xfrm>
+            <a:off x="1312863" y="22329997"/>
+            <a:ext cx="4827124" cy="1200329"/>
+          </a:xfrm>
+          <a:prstGeom prst="rect">
+            <a:avLst/>
+          </a:prstGeom>
+          <a:solidFill>
+            <a:schemeClr val="accent2">
+              <a:lumMod val="20000"/>
+              <a:lumOff val="80000"/>
+            </a:schemeClr>
+          </a:solidFill>
+          <a:ln>
+            <a:solidFill>
+              <a:schemeClr val="tx1"/>
+            </a:solidFill>
+          </a:ln>
+        </p:spPr>
+        <p:txBody>
+          <a:bodyPr wrap="square" rtlCol="0">
+            <a:spAutoFit/>
+          </a:bodyPr>
+          <a:lstStyle/>
+          <a:p>
+            <a:r>
+              <a:rPr lang="en-US" sz="2400" dirty="0" smtClean="0"/>
+              <a:t>Note: </a:t>
+            </a:r>
+            <a:endParaRPr lang="en-US" sz="2400" dirty="0" smtClean="0"/>
+          </a:p>
+          <a:p>
+            <a:r>
+              <a:rPr lang="en-US" sz="2400" dirty="0" smtClean="0"/>
+              <a:t>Overlaps are data having the same dates but different values</a:t>
+            </a:r>
+            <a:endParaRPr lang="it-IT" sz="2400" dirty="0"/>
+          </a:p>
+        </p:txBody>
+      </p:sp>
+      <p:sp>
+        <p:nvSpPr>
+          <p:cNvPr id="176" name="Decisione 175"/>
+          <p:cNvSpPr/>
+          <p:nvPr/>
+        </p:nvSpPr>
+        <p:spPr>
+          <a:xfrm>
+            <a:off x="12106115" y="23785689"/>
+            <a:ext cx="5954933" cy="2619713"/>
+          </a:xfrm>
+          <a:prstGeom prst="flowChartDecision">
+            <a:avLst/>
+          </a:prstGeom>
+          <a:noFill/>
+          <a:ln>
+            <a:solidFill>
+              <a:srgbClr val="D04D2A"/>
+            </a:solidFill>
+          </a:ln>
+        </p:spPr>
+        <p:style>
+          <a:lnRef idx="2">
+            <a:schemeClr val="accent1">
+              <a:shade val="50000"/>
+            </a:schemeClr>
+          </a:lnRef>
+          <a:fillRef idx="1">
+            <a:schemeClr val="accent1"/>
+          </a:fillRef>
+          <a:effectRef idx="0">
+            <a:schemeClr val="accent1"/>
+          </a:effectRef>
+          <a:fontRef idx="minor">
+            <a:schemeClr val="lt1"/>
+          </a:fontRef>
+        </p:style>
+        <p:txBody>
+          <a:bodyPr rtlCol="0" anchor="ctr"/>
+          <a:lstStyle/>
+          <a:p>
+            <a:pPr algn="ctr"/>
+            <a:r>
+              <a:rPr lang="en-GB" sz="4000" dirty="0">
+                <a:solidFill>
+                  <a:sysClr val="windowText" lastClr="000000"/>
+                </a:solidFill>
+              </a:rPr>
+              <a:t>There are overlaps?</a:t>
+            </a:r>
+            <a:endParaRPr lang="en-GB" sz="4000" dirty="0" smtClean="0">
+              <a:solidFill>
+                <a:sysClr val="windowText" lastClr="000000"/>
+              </a:solidFill>
+            </a:endParaRPr>
+          </a:p>
+          <a:p>
+            <a:pPr algn="ctr"/>
+            <a:r>
+              <a:rPr lang="en-US" sz="4000" i="1" dirty="0" err="1">
+                <a:solidFill>
+                  <a:srgbClr val="0070C0"/>
+                </a:solidFill>
+              </a:rPr>
+              <a:t>flag_overlap</a:t>
+            </a:r>
+            <a:endParaRPr lang="it-IT" sz="4000" i="1" dirty="0">
+              <a:solidFill>
+                <a:srgbClr val="0070C0"/>
+              </a:solidFill>
+            </a:endParaRPr>
+          </a:p>
+        </p:txBody>
+      </p:sp>
+      <p:sp>
+        <p:nvSpPr>
+          <p:cNvPr id="183" name="Elaborazione 182"/>
+          <p:cNvSpPr/>
+          <p:nvPr/>
+        </p:nvSpPr>
+        <p:spPr>
+          <a:xfrm>
+            <a:off x="23844618" y="20763947"/>
+            <a:ext cx="5557001" cy="1548000"/>
+          </a:xfrm>
+          <a:prstGeom prst="flowChartProcess">
+            <a:avLst/>
+          </a:prstGeom>
+          <a:solidFill>
+            <a:srgbClr val="FFC000"/>
+          </a:solidFill>
+          <a:ln>
+            <a:solidFill>
+              <a:srgbClr val="D04D2A"/>
+            </a:solidFill>
+          </a:ln>
+        </p:spPr>
+        <p:style>
+          <a:lnRef idx="2">
+            <a:schemeClr val="accent1">
+              <a:shade val="50000"/>
+            </a:schemeClr>
+          </a:lnRef>
+          <a:fillRef idx="1">
+            <a:schemeClr val="accent1"/>
+          </a:fillRef>
+          <a:effectRef idx="0">
+            <a:schemeClr val="accent1"/>
+          </a:effectRef>
+          <a:fontRef idx="minor">
+            <a:schemeClr val="lt1"/>
+          </a:fontRef>
+        </p:style>
+        <p:txBody>
+          <a:bodyPr rtlCol="0" anchor="ctr"/>
+          <a:lstStyle/>
+          <a:p>
+            <a:pPr algn="ctr"/>
+            <a:r>
+              <a:rPr lang="en-US" sz="4000" dirty="0" smtClean="0">
+                <a:solidFill>
+                  <a:sysClr val="windowText" lastClr="000000"/>
+                </a:solidFill>
+              </a:rPr>
+              <a:t>Warning: there are duplicated rows in files</a:t>
+            </a:r>
+            <a:endParaRPr lang="it-IT" sz="4000" dirty="0">
+              <a:solidFill>
+                <a:sysClr val="windowText" lastClr="000000"/>
+              </a:solidFill>
+            </a:endParaRPr>
+          </a:p>
+        </p:txBody>
+      </p:sp>
+      <p:sp>
+        <p:nvSpPr>
+          <p:cNvPr id="187" name="CasellaDiTesto 186"/>
+          <p:cNvSpPr txBox="1"/>
+          <p:nvPr/>
+        </p:nvSpPr>
+        <p:spPr>
+          <a:xfrm>
+            <a:off x="14077226" y="26105214"/>
+            <a:ext cx="1992812" cy="923330"/>
+          </a:xfrm>
+          <a:prstGeom prst="rect">
+            <a:avLst/>
+          </a:prstGeom>
+          <a:noFill/>
+          <a:ln>
+            <a:noFill/>
+          </a:ln>
+        </p:spPr>
+        <p:style>
+          <a:lnRef idx="2">
+            <a:schemeClr val="accent1">
+              <a:shade val="50000"/>
+            </a:schemeClr>
+          </a:lnRef>
+          <a:fillRef idx="1">
+            <a:schemeClr val="accent1"/>
+          </a:fillRef>
+          <a:effectRef idx="0">
+            <a:schemeClr val="accent1"/>
+          </a:effectRef>
+          <a:fontRef idx="minor">
+            <a:schemeClr val="lt1"/>
+          </a:fontRef>
+        </p:style>
+        <p:txBody>
+          <a:bodyPr rot="0" spcFirstLastPara="0" vertOverflow="overflow" horzOverflow="overflow" vert="horz" wrap="square" lIns="91440" tIns="45720" rIns="91440" bIns="45720" numCol="1" spcCol="0" rtlCol="0" fromWordArt="0" anchor="ctr" anchorCtr="0" forceAA="0" compatLnSpc="1">
+            <a:prstTxWarp prst="textNoShape">
+              <a:avLst/>
+            </a:prstTxWarp>
+            <a:noAutofit/>
+          </a:bodyPr>
+          <a:lstStyle>
+            <a:defPPr>
+              <a:defRPr lang="de-DE"/>
+            </a:defPPr>
+            <a:lvl1pPr algn="ctr">
+              <a:defRPr sz="4800">
+                <a:solidFill>
+                  <a:sysClr val="windowText" lastClr="000000"/>
+                </a:solidFill>
+              </a:defRPr>
+            </a:lvl1pPr>
+          </a:lstStyle>
+          <a:p>
+            <a:r>
+              <a:rPr lang="en-US" sz="3200" i="1" dirty="0" smtClean="0"/>
+              <a:t>T    </a:t>
+            </a:r>
+            <a:r>
+              <a:rPr lang="en-US" sz="3200" i="1" dirty="0" smtClean="0">
+                <a:solidFill>
+                  <a:srgbClr val="0070C0"/>
+                </a:solidFill>
+              </a:rPr>
+              <a:t>0</a:t>
+            </a:r>
+            <a:endParaRPr lang="it-IT" sz="3200" i="1" dirty="0">
+              <a:solidFill>
+                <a:srgbClr val="0070C0"/>
+              </a:solidFill>
+            </a:endParaRPr>
+          </a:p>
+        </p:txBody>
+      </p:sp>
+      <p:sp>
+        <p:nvSpPr>
+          <p:cNvPr id="188" name="Elaborazione 187"/>
+          <p:cNvSpPr/>
+          <p:nvPr/>
+        </p:nvSpPr>
+        <p:spPr>
+          <a:xfrm>
+            <a:off x="22081228" y="24321545"/>
+            <a:ext cx="4541891" cy="1548000"/>
+          </a:xfrm>
+          <a:prstGeom prst="flowChartProcess">
+            <a:avLst/>
+          </a:prstGeom>
+          <a:solidFill>
+            <a:srgbClr val="FF0000"/>
+          </a:solidFill>
+          <a:ln>
+            <a:solidFill>
+              <a:srgbClr val="D04D2A"/>
+            </a:solidFill>
+          </a:ln>
+        </p:spPr>
+        <p:style>
+          <a:lnRef idx="2">
+            <a:schemeClr val="accent1">
+              <a:shade val="50000"/>
+            </a:schemeClr>
+          </a:lnRef>
+          <a:fillRef idx="1">
+            <a:schemeClr val="accent1"/>
+          </a:fillRef>
+          <a:effectRef idx="0">
+            <a:schemeClr val="accent1"/>
+          </a:effectRef>
+          <a:fontRef idx="minor">
+            <a:schemeClr val="lt1"/>
+          </a:fontRef>
+        </p:style>
+        <p:txBody>
+          <a:bodyPr rtlCol="0" anchor="ctr"/>
+          <a:lstStyle/>
+          <a:p>
+            <a:pPr algn="ctr"/>
+            <a:r>
+              <a:rPr lang="en-US" sz="4000" dirty="0">
+                <a:solidFill>
+                  <a:sysClr val="windowText" lastClr="000000"/>
+                </a:solidFill>
+              </a:rPr>
+              <a:t>Error: </a:t>
+            </a:r>
+            <a:r>
+              <a:rPr lang="en-US" sz="4000" dirty="0" smtClean="0">
+                <a:solidFill>
+                  <a:sysClr val="windowText" lastClr="000000"/>
+                </a:solidFill>
+              </a:rPr>
+              <a:t>Fix overlaps issues</a:t>
+            </a:r>
+            <a:endParaRPr lang="it-IT" sz="4000" dirty="0">
+              <a:solidFill>
+                <a:sysClr val="windowText" lastClr="000000"/>
+              </a:solidFill>
+            </a:endParaRPr>
+          </a:p>
+        </p:txBody>
+      </p:sp>
+      <p:sp>
+        <p:nvSpPr>
+          <p:cNvPr id="189" name="Terminatore 188"/>
+          <p:cNvSpPr/>
+          <p:nvPr/>
+        </p:nvSpPr>
+        <p:spPr>
+          <a:xfrm>
+            <a:off x="27799337" y="24591545"/>
+            <a:ext cx="2126209" cy="1008000"/>
+          </a:xfrm>
+          <a:prstGeom prst="flowChartTerminator">
+            <a:avLst/>
+          </a:prstGeom>
+          <a:noFill/>
+          <a:ln>
+            <a:solidFill>
+              <a:srgbClr val="D04D2A"/>
+            </a:solidFill>
+          </a:ln>
+        </p:spPr>
+        <p:style>
+          <a:lnRef idx="2">
+            <a:schemeClr val="accent1">
+              <a:shade val="50000"/>
+            </a:schemeClr>
+          </a:lnRef>
+          <a:fillRef idx="1">
+            <a:schemeClr val="accent1"/>
+          </a:fillRef>
+          <a:effectRef idx="0">
+            <a:schemeClr val="accent1"/>
+          </a:effectRef>
+          <a:fontRef idx="minor">
+            <a:schemeClr val="lt1"/>
+          </a:fontRef>
+        </p:style>
+        <p:txBody>
+          <a:bodyPr rtlCol="0" anchor="ctr"/>
+          <a:lstStyle/>
+          <a:p>
+            <a:pPr algn="ctr"/>
+            <a:r>
+              <a:rPr lang="en-US" sz="4000" dirty="0">
+                <a:solidFill>
+                  <a:sysClr val="windowText" lastClr="000000"/>
+                </a:solidFill>
+              </a:rPr>
+              <a:t>End</a:t>
+            </a:r>
+            <a:endParaRPr lang="it-IT" sz="4000" dirty="0">
+              <a:solidFill>
+                <a:sysClr val="windowText" lastClr="000000"/>
+              </a:solidFill>
+            </a:endParaRPr>
+          </a:p>
+        </p:txBody>
+      </p:sp>
+      <p:sp>
+        <p:nvSpPr>
+          <p:cNvPr id="196" name="Elaborazione 195"/>
+          <p:cNvSpPr/>
+          <p:nvPr/>
+        </p:nvSpPr>
+        <p:spPr>
+          <a:xfrm>
+            <a:off x="12152118" y="26790564"/>
+            <a:ext cx="5858895" cy="972000"/>
+          </a:xfrm>
+          <a:prstGeom prst="flowChartProcess">
+            <a:avLst/>
+          </a:prstGeom>
+          <a:noFill/>
+          <a:ln>
+            <a:solidFill>
+              <a:srgbClr val="D04D2A"/>
+            </a:solidFill>
+          </a:ln>
+        </p:spPr>
+        <p:style>
+          <a:lnRef idx="2">
+            <a:schemeClr val="accent1">
+              <a:shade val="50000"/>
+            </a:schemeClr>
+          </a:lnRef>
+          <a:fillRef idx="1">
+            <a:schemeClr val="accent1"/>
+          </a:fillRef>
+          <a:effectRef idx="0">
+            <a:schemeClr val="accent1"/>
+          </a:effectRef>
+          <a:fontRef idx="minor">
+            <a:schemeClr val="lt1"/>
+          </a:fontRef>
+        </p:style>
+        <p:txBody>
+          <a:bodyPr rtlCol="0" anchor="ctr"/>
+          <a:lstStyle/>
+          <a:p>
+            <a:pPr algn="ctr"/>
+            <a:r>
+              <a:rPr lang="en-US" sz="4000" dirty="0" smtClean="0">
+                <a:solidFill>
+                  <a:sysClr val="windowText" lastClr="000000"/>
+                </a:solidFill>
+              </a:rPr>
+              <a:t>Fill missing dates with </a:t>
+            </a:r>
+            <a:r>
+              <a:rPr lang="en-US" sz="4000" dirty="0" err="1" smtClean="0">
+                <a:solidFill>
+                  <a:sysClr val="windowText" lastClr="000000"/>
+                </a:solidFill>
+              </a:rPr>
+              <a:t>NaN</a:t>
+            </a:r>
+            <a:endParaRPr lang="en-US" sz="4000" dirty="0" smtClean="0">
+              <a:solidFill>
+                <a:sysClr val="windowText" lastClr="000000"/>
+              </a:solidFill>
+            </a:endParaRPr>
+          </a:p>
+        </p:txBody>
+      </p:sp>
+      <p:cxnSp>
+        <p:nvCxnSpPr>
+          <p:cNvPr id="156" name="Connettore 2 155"/>
+          <p:cNvCxnSpPr>
+            <a:stCxn id="176" idx="2"/>
+            <a:endCxn id="196" idx="0"/>
+          </p:cNvCxnSpPr>
+          <p:nvPr/>
+        </p:nvCxnSpPr>
+        <p:spPr>
+          <a:xfrm flipH="1">
+            <a:off x="15081566" y="26405402"/>
+            <a:ext cx="2016" cy="385162"/>
+          </a:xfrm>
+          <a:prstGeom prst="straightConnector1">
+            <a:avLst/>
+          </a:prstGeom>
+          <a:ln>
+            <a:tailEnd type="triangle"/>
+          </a:ln>
+        </p:spPr>
+        <p:style>
+          <a:lnRef idx="1">
+            <a:schemeClr val="accent1"/>
+          </a:lnRef>
+          <a:fillRef idx="0">
+            <a:schemeClr val="accent1"/>
+          </a:fillRef>
+          <a:effectRef idx="0">
+            <a:schemeClr val="accent1"/>
+          </a:effectRef>
+          <a:fontRef idx="minor">
+            <a:schemeClr val="tx1"/>
+          </a:fontRef>
+        </p:style>
+      </p:cxnSp>
+      <p:cxnSp>
+        <p:nvCxnSpPr>
+          <p:cNvPr id="227" name="Connettore 2 226"/>
+          <p:cNvCxnSpPr>
+            <a:stCxn id="20" idx="3"/>
+            <a:endCxn id="19" idx="1"/>
+          </p:cNvCxnSpPr>
+          <p:nvPr/>
+        </p:nvCxnSpPr>
+        <p:spPr>
+          <a:xfrm>
+            <a:off x="24790871" y="10893769"/>
+            <a:ext cx="3080621" cy="2671"/>
+          </a:xfrm>
+          <a:prstGeom prst="straightConnector1">
+            <a:avLst/>
+          </a:prstGeom>
+          <a:ln>
+            <a:tailEnd type="triangle" w="lg" len="lg"/>
+          </a:ln>
+        </p:spPr>
+        <p:style>
+          <a:lnRef idx="1">
+            <a:schemeClr val="accent1"/>
+          </a:lnRef>
+          <a:fillRef idx="0">
+            <a:schemeClr val="accent1"/>
+          </a:fillRef>
+          <a:effectRef idx="0">
+            <a:schemeClr val="accent1"/>
+          </a:effectRef>
+          <a:fontRef idx="minor">
+            <a:schemeClr val="tx1"/>
+          </a:fontRef>
+        </p:style>
+      </p:cxnSp>
+      <p:sp>
+        <p:nvSpPr>
+          <p:cNvPr id="232" name="CasellaDiTesto 231"/>
+          <p:cNvSpPr txBox="1"/>
+          <p:nvPr/>
+        </p:nvSpPr>
+        <p:spPr>
+          <a:xfrm>
+            <a:off x="17447985" y="24671845"/>
+            <a:ext cx="1992812" cy="923330"/>
+          </a:xfrm>
+          <a:prstGeom prst="rect">
+            <a:avLst/>
+          </a:prstGeom>
+          <a:noFill/>
+          <a:ln>
+            <a:noFill/>
+          </a:ln>
+        </p:spPr>
+        <p:style>
+          <a:lnRef idx="2">
+            <a:schemeClr val="accent1">
+              <a:shade val="50000"/>
+            </a:schemeClr>
+          </a:lnRef>
+          <a:fillRef idx="1">
+            <a:schemeClr val="accent1"/>
+          </a:fillRef>
+          <a:effectRef idx="0">
+            <a:schemeClr val="accent1"/>
+          </a:effectRef>
+          <a:fontRef idx="minor">
+            <a:schemeClr val="lt1"/>
+          </a:fontRef>
+        </p:style>
+        <p:txBody>
+          <a:bodyPr rot="0" spcFirstLastPara="0" vertOverflow="overflow" horzOverflow="overflow" vert="horz" wrap="square" lIns="91440" tIns="45720" rIns="91440" bIns="45720" numCol="1" spcCol="0" rtlCol="0" fromWordArt="0" anchor="ctr" anchorCtr="0" forceAA="0" compatLnSpc="1">
+            <a:prstTxWarp prst="textNoShape">
+              <a:avLst/>
+            </a:prstTxWarp>
+            <a:noAutofit/>
+          </a:bodyPr>
+          <a:lstStyle>
+            <a:defPPr>
+              <a:defRPr lang="de-DE"/>
+            </a:defPPr>
+            <a:lvl1pPr algn="ctr">
+              <a:defRPr sz="4800">
+                <a:solidFill>
+                  <a:sysClr val="windowText" lastClr="000000"/>
+                </a:solidFill>
+              </a:defRPr>
+            </a:lvl1pPr>
+          </a:lstStyle>
+          <a:p>
+            <a:r>
+              <a:rPr lang="en-US" sz="3200" i="1" dirty="0" smtClean="0"/>
+              <a:t>F</a:t>
+            </a:r>
+          </a:p>
+          <a:p>
+            <a:r>
+              <a:rPr lang="en-US" sz="3200" i="1" dirty="0">
+                <a:solidFill>
+                  <a:srgbClr val="0070C0"/>
+                </a:solidFill>
+              </a:rPr>
+              <a:t>1</a:t>
+            </a:r>
+            <a:endParaRPr lang="it-IT" sz="3200" i="1" dirty="0">
+              <a:solidFill>
+                <a:srgbClr val="0070C0"/>
+              </a:solidFill>
+            </a:endParaRPr>
+          </a:p>
+        </p:txBody>
+      </p:sp>
+      <p:cxnSp>
+        <p:nvCxnSpPr>
+          <p:cNvPr id="200" name="Connettore 2 199"/>
+          <p:cNvCxnSpPr>
+            <a:stCxn id="6" idx="2"/>
+            <a:endCxn id="38" idx="0"/>
+          </p:cNvCxnSpPr>
+          <p:nvPr/>
+        </p:nvCxnSpPr>
+        <p:spPr>
+          <a:xfrm>
+            <a:off x="15083581" y="11996208"/>
+            <a:ext cx="0" cy="337451"/>
+          </a:xfrm>
+          <a:prstGeom prst="straightConnector1">
+            <a:avLst/>
+          </a:prstGeom>
+          <a:ln>
+            <a:tailEnd type="triangle"/>
+          </a:ln>
+        </p:spPr>
+        <p:style>
+          <a:lnRef idx="1">
+            <a:schemeClr val="accent1"/>
+          </a:lnRef>
+          <a:fillRef idx="0">
+            <a:schemeClr val="accent1"/>
+          </a:fillRef>
+          <a:effectRef idx="0">
+            <a:schemeClr val="accent1"/>
+          </a:effectRef>
+          <a:fontRef idx="minor">
+            <a:schemeClr val="tx1"/>
+          </a:fontRef>
+        </p:style>
+      </p:cxnSp>
+      <p:cxnSp>
+        <p:nvCxnSpPr>
+          <p:cNvPr id="205" name="Connettore 2 204"/>
+          <p:cNvCxnSpPr>
+            <a:stCxn id="38" idx="2"/>
+            <a:endCxn id="39" idx="0"/>
+          </p:cNvCxnSpPr>
+          <p:nvPr/>
+        </p:nvCxnSpPr>
+        <p:spPr>
+          <a:xfrm>
+            <a:off x="15083581" y="13341659"/>
+            <a:ext cx="0" cy="225487"/>
+          </a:xfrm>
+          <a:prstGeom prst="straightConnector1">
+            <a:avLst/>
+          </a:prstGeom>
+          <a:ln>
+            <a:tailEnd type="triangle"/>
+          </a:ln>
+        </p:spPr>
+        <p:style>
+          <a:lnRef idx="1">
+            <a:schemeClr val="accent1"/>
+          </a:lnRef>
+          <a:fillRef idx="0">
+            <a:schemeClr val="accent1"/>
+          </a:fillRef>
+          <a:effectRef idx="0">
+            <a:schemeClr val="accent1"/>
+          </a:effectRef>
+          <a:fontRef idx="minor">
+            <a:schemeClr val="tx1"/>
+          </a:fontRef>
+        </p:style>
+      </p:cxnSp>
+      <p:cxnSp>
+        <p:nvCxnSpPr>
+          <p:cNvPr id="207" name="Connettore 2 206"/>
+          <p:cNvCxnSpPr>
+            <a:stCxn id="39" idx="3"/>
+            <a:endCxn id="57" idx="1"/>
+          </p:cNvCxnSpPr>
+          <p:nvPr/>
+        </p:nvCxnSpPr>
+        <p:spPr>
+          <a:xfrm flipV="1">
+            <a:off x="18657228" y="14860041"/>
+            <a:ext cx="3424001" cy="16962"/>
+          </a:xfrm>
+          <a:prstGeom prst="straightConnector1">
+            <a:avLst/>
+          </a:prstGeom>
+          <a:ln>
+            <a:tailEnd type="triangle"/>
+          </a:ln>
+        </p:spPr>
+        <p:style>
+          <a:lnRef idx="1">
+            <a:schemeClr val="accent1"/>
+          </a:lnRef>
+          <a:fillRef idx="0">
+            <a:schemeClr val="accent1"/>
+          </a:fillRef>
+          <a:effectRef idx="0">
+            <a:schemeClr val="accent1"/>
+          </a:effectRef>
+          <a:fontRef idx="minor">
+            <a:schemeClr val="tx1"/>
+          </a:fontRef>
+        </p:style>
+      </p:cxnSp>
+      <p:cxnSp>
+        <p:nvCxnSpPr>
+          <p:cNvPr id="215" name="Connettore 2 214"/>
+          <p:cNvCxnSpPr>
+            <a:stCxn id="57" idx="3"/>
+            <a:endCxn id="72" idx="1"/>
+          </p:cNvCxnSpPr>
+          <p:nvPr/>
+        </p:nvCxnSpPr>
+        <p:spPr>
+          <a:xfrm>
+            <a:off x="27500513" y="14860041"/>
+            <a:ext cx="370978" cy="7131"/>
+          </a:xfrm>
+          <a:prstGeom prst="straightConnector1">
+            <a:avLst/>
+          </a:prstGeom>
+          <a:ln>
+            <a:tailEnd type="triangle"/>
+          </a:ln>
+        </p:spPr>
+        <p:style>
+          <a:lnRef idx="1">
+            <a:schemeClr val="accent1"/>
+          </a:lnRef>
+          <a:fillRef idx="0">
+            <a:schemeClr val="accent1"/>
+          </a:fillRef>
+          <a:effectRef idx="0">
+            <a:schemeClr val="accent1"/>
+          </a:effectRef>
+          <a:fontRef idx="minor">
+            <a:schemeClr val="tx1"/>
+          </a:fontRef>
+        </p:style>
+      </p:cxnSp>
+      <p:cxnSp>
+        <p:nvCxnSpPr>
+          <p:cNvPr id="221" name="Connettore 2 220"/>
+          <p:cNvCxnSpPr>
+            <a:stCxn id="71" idx="1"/>
+            <a:endCxn id="64" idx="3"/>
+          </p:cNvCxnSpPr>
+          <p:nvPr/>
+        </p:nvCxnSpPr>
+        <p:spPr>
+          <a:xfrm flipH="1">
+            <a:off x="2283493" y="14877002"/>
+            <a:ext cx="452085" cy="9800"/>
+          </a:xfrm>
+          <a:prstGeom prst="straightConnector1">
+            <a:avLst/>
+          </a:prstGeom>
+          <a:ln>
+            <a:tailEnd type="triangle"/>
+          </a:ln>
+        </p:spPr>
+        <p:style>
+          <a:lnRef idx="1">
+            <a:schemeClr val="accent1"/>
+          </a:lnRef>
+          <a:fillRef idx="0">
+            <a:schemeClr val="accent1"/>
+          </a:fillRef>
+          <a:effectRef idx="0">
+            <a:schemeClr val="accent1"/>
+          </a:effectRef>
+          <a:fontRef idx="minor">
+            <a:schemeClr val="tx1"/>
+          </a:fontRef>
+        </p:style>
+      </p:cxnSp>
+      <p:cxnSp>
+        <p:nvCxnSpPr>
+          <p:cNvPr id="224" name="Connettore 2 223"/>
+          <p:cNvCxnSpPr>
+            <a:stCxn id="39" idx="1"/>
+            <a:endCxn id="71" idx="3"/>
+          </p:cNvCxnSpPr>
+          <p:nvPr/>
+        </p:nvCxnSpPr>
+        <p:spPr>
+          <a:xfrm flipH="1" flipV="1">
+            <a:off x="9388888" y="14877002"/>
+            <a:ext cx="2121046" cy="1"/>
+          </a:xfrm>
+          <a:prstGeom prst="straightConnector1">
+            <a:avLst/>
+          </a:prstGeom>
+          <a:ln>
+            <a:tailEnd type="triangle"/>
+          </a:ln>
+        </p:spPr>
+        <p:style>
+          <a:lnRef idx="1">
+            <a:schemeClr val="accent1"/>
+          </a:lnRef>
+          <a:fillRef idx="0">
+            <a:schemeClr val="accent1"/>
+          </a:fillRef>
+          <a:effectRef idx="0">
+            <a:schemeClr val="accent1"/>
+          </a:effectRef>
+          <a:fontRef idx="minor">
+            <a:schemeClr val="tx1"/>
+          </a:fontRef>
+        </p:style>
+      </p:cxnSp>
+      <p:cxnSp>
+        <p:nvCxnSpPr>
+          <p:cNvPr id="235" name="Connettore 2 234"/>
+          <p:cNvCxnSpPr>
+            <a:stCxn id="39" idx="2"/>
+            <a:endCxn id="90" idx="0"/>
+          </p:cNvCxnSpPr>
+          <p:nvPr/>
+        </p:nvCxnSpPr>
+        <p:spPr>
+          <a:xfrm flipH="1">
+            <a:off x="15081566" y="16186859"/>
+            <a:ext cx="2015" cy="491842"/>
+          </a:xfrm>
+          <a:prstGeom prst="straightConnector1">
+            <a:avLst/>
+          </a:prstGeom>
+          <a:ln>
+            <a:tailEnd type="triangle"/>
+          </a:ln>
+        </p:spPr>
+        <p:style>
+          <a:lnRef idx="1">
+            <a:schemeClr val="accent1"/>
+          </a:lnRef>
+          <a:fillRef idx="0">
+            <a:schemeClr val="accent1"/>
+          </a:fillRef>
+          <a:effectRef idx="0">
+            <a:schemeClr val="accent1"/>
+          </a:effectRef>
+          <a:fontRef idx="minor">
+            <a:schemeClr val="tx1"/>
+          </a:fontRef>
+        </p:style>
+      </p:cxnSp>
+      <p:cxnSp>
+        <p:nvCxnSpPr>
+          <p:cNvPr id="241" name="Connettore 2 240"/>
+          <p:cNvCxnSpPr>
+            <a:stCxn id="90" idx="2"/>
+            <a:endCxn id="100" idx="0"/>
+          </p:cNvCxnSpPr>
+          <p:nvPr/>
+        </p:nvCxnSpPr>
+        <p:spPr>
+          <a:xfrm flipH="1">
+            <a:off x="15081565" y="17650701"/>
+            <a:ext cx="1" cy="347489"/>
+          </a:xfrm>
+          <a:prstGeom prst="straightConnector1">
+            <a:avLst/>
+          </a:prstGeom>
+          <a:ln>
+            <a:tailEnd type="triangle"/>
+          </a:ln>
+        </p:spPr>
+        <p:style>
+          <a:lnRef idx="1">
+            <a:schemeClr val="accent1"/>
+          </a:lnRef>
+          <a:fillRef idx="0">
+            <a:schemeClr val="accent1"/>
+          </a:fillRef>
+          <a:effectRef idx="0">
+            <a:schemeClr val="accent1"/>
+          </a:effectRef>
+          <a:fontRef idx="minor">
+            <a:schemeClr val="tx1"/>
+          </a:fontRef>
+        </p:style>
+      </p:cxnSp>
+      <p:cxnSp>
+        <p:nvCxnSpPr>
+          <p:cNvPr id="1069" name="Connettore 2 1068"/>
+          <p:cNvCxnSpPr>
+            <a:stCxn id="100" idx="3"/>
+            <a:endCxn id="116" idx="1"/>
+          </p:cNvCxnSpPr>
+          <p:nvPr/>
+        </p:nvCxnSpPr>
+        <p:spPr>
+          <a:xfrm flipV="1">
+            <a:off x="19369571" y="19308046"/>
+            <a:ext cx="2711657" cy="1"/>
+          </a:xfrm>
+          <a:prstGeom prst="straightConnector1">
+            <a:avLst/>
+          </a:prstGeom>
+          <a:ln>
+            <a:tailEnd type="triangle"/>
+          </a:ln>
+        </p:spPr>
+        <p:style>
+          <a:lnRef idx="1">
+            <a:schemeClr val="accent1"/>
+          </a:lnRef>
+          <a:fillRef idx="0">
+            <a:schemeClr val="accent1"/>
+          </a:fillRef>
+          <a:effectRef idx="0">
+            <a:schemeClr val="accent1"/>
+          </a:effectRef>
+          <a:fontRef idx="minor">
+            <a:schemeClr val="tx1"/>
+          </a:fontRef>
+        </p:style>
+      </p:cxnSp>
+      <p:cxnSp>
+        <p:nvCxnSpPr>
+          <p:cNvPr id="1071" name="Connettore 2 1070"/>
+          <p:cNvCxnSpPr>
+            <a:stCxn id="116" idx="3"/>
+            <a:endCxn id="118" idx="1"/>
+          </p:cNvCxnSpPr>
+          <p:nvPr/>
+        </p:nvCxnSpPr>
+        <p:spPr>
+          <a:xfrm>
+            <a:off x="26623119" y="19308046"/>
+            <a:ext cx="1176219" cy="0"/>
+          </a:xfrm>
+          <a:prstGeom prst="straightConnector1">
+            <a:avLst/>
+          </a:prstGeom>
+          <a:ln>
+            <a:tailEnd type="triangle"/>
+          </a:ln>
+        </p:spPr>
+        <p:style>
+          <a:lnRef idx="1">
+            <a:schemeClr val="accent1"/>
+          </a:lnRef>
+          <a:fillRef idx="0">
+            <a:schemeClr val="accent1"/>
+          </a:fillRef>
+          <a:effectRef idx="0">
+            <a:schemeClr val="accent1"/>
+          </a:effectRef>
+          <a:fontRef idx="minor">
+            <a:schemeClr val="tx1"/>
+          </a:fontRef>
+        </p:style>
+      </p:cxnSp>
+      <p:cxnSp>
+        <p:nvCxnSpPr>
+          <p:cNvPr id="1076" name="Connettore 2 1075"/>
+          <p:cNvCxnSpPr>
+            <a:stCxn id="142" idx="2"/>
+            <a:endCxn id="176" idx="0"/>
+          </p:cNvCxnSpPr>
+          <p:nvPr/>
+        </p:nvCxnSpPr>
+        <p:spPr>
+          <a:xfrm>
+            <a:off x="15082455" y="23416162"/>
+            <a:ext cx="1127" cy="369527"/>
+          </a:xfrm>
+          <a:prstGeom prst="straightConnector1">
+            <a:avLst/>
+          </a:prstGeom>
+          <a:ln>
+            <a:tailEnd type="triangle"/>
+          </a:ln>
+        </p:spPr>
+        <p:style>
+          <a:lnRef idx="1">
+            <a:schemeClr val="accent1"/>
+          </a:lnRef>
+          <a:fillRef idx="0">
+            <a:schemeClr val="accent1"/>
+          </a:fillRef>
+          <a:effectRef idx="0">
+            <a:schemeClr val="accent1"/>
+          </a:effectRef>
+          <a:fontRef idx="minor">
+            <a:schemeClr val="tx1"/>
+          </a:fontRef>
+        </p:style>
+      </p:cxnSp>
+      <p:cxnSp>
+        <p:nvCxnSpPr>
+          <p:cNvPr id="1080" name="Connettore 2 1079"/>
+          <p:cNvCxnSpPr>
+            <a:stCxn id="176" idx="3"/>
+            <a:endCxn id="188" idx="1"/>
+          </p:cNvCxnSpPr>
+          <p:nvPr/>
+        </p:nvCxnSpPr>
+        <p:spPr>
+          <a:xfrm flipV="1">
+            <a:off x="18061048" y="25095545"/>
+            <a:ext cx="4020180" cy="1"/>
+          </a:xfrm>
+          <a:prstGeom prst="straightConnector1">
+            <a:avLst/>
+          </a:prstGeom>
+          <a:ln>
+            <a:tailEnd type="triangle"/>
+          </a:ln>
+        </p:spPr>
+        <p:style>
+          <a:lnRef idx="1">
+            <a:schemeClr val="accent1"/>
+          </a:lnRef>
+          <a:fillRef idx="0">
+            <a:schemeClr val="accent1"/>
+          </a:fillRef>
+          <a:effectRef idx="0">
+            <a:schemeClr val="accent1"/>
+          </a:effectRef>
+          <a:fontRef idx="minor">
+            <a:schemeClr val="tx1"/>
+          </a:fontRef>
+        </p:style>
+      </p:cxnSp>
+      <p:cxnSp>
+        <p:nvCxnSpPr>
+          <p:cNvPr id="1086" name="Connettore 2 1085"/>
+          <p:cNvCxnSpPr>
+            <a:stCxn id="196" idx="2"/>
+            <a:endCxn id="322" idx="0"/>
+          </p:cNvCxnSpPr>
+          <p:nvPr/>
+        </p:nvCxnSpPr>
+        <p:spPr>
+          <a:xfrm flipH="1">
+            <a:off x="15081565" y="27762564"/>
+            <a:ext cx="1" cy="457125"/>
+          </a:xfrm>
+          <a:prstGeom prst="straightConnector1">
+            <a:avLst/>
+          </a:prstGeom>
+          <a:ln>
+            <a:tailEnd type="triangle"/>
+          </a:ln>
+        </p:spPr>
+        <p:style>
+          <a:lnRef idx="1">
+            <a:schemeClr val="accent1"/>
+          </a:lnRef>
+          <a:fillRef idx="0">
+            <a:schemeClr val="accent1"/>
+          </a:fillRef>
+          <a:effectRef idx="0">
+            <a:schemeClr val="accent1"/>
+          </a:effectRef>
+          <a:fontRef idx="minor">
+            <a:schemeClr val="tx1"/>
+          </a:fontRef>
+        </p:style>
+      </p:cxnSp>
+      <p:cxnSp>
+        <p:nvCxnSpPr>
+          <p:cNvPr id="1089" name="Connettore 2 1088"/>
+          <p:cNvCxnSpPr>
+            <a:stCxn id="188" idx="3"/>
+            <a:endCxn id="189" idx="1"/>
+          </p:cNvCxnSpPr>
+          <p:nvPr/>
+        </p:nvCxnSpPr>
+        <p:spPr>
+          <a:xfrm>
+            <a:off x="26623119" y="25095545"/>
+            <a:ext cx="1176218" cy="0"/>
+          </a:xfrm>
+          <a:prstGeom prst="straightConnector1">
+            <a:avLst/>
+          </a:prstGeom>
+          <a:ln>
+            <a:tailEnd type="triangle"/>
+          </a:ln>
+        </p:spPr>
+        <p:style>
+          <a:lnRef idx="1">
+            <a:schemeClr val="accent1"/>
+          </a:lnRef>
+          <a:fillRef idx="0">
+            <a:schemeClr val="accent1"/>
+          </a:fillRef>
+          <a:effectRef idx="0">
+            <a:schemeClr val="accent1"/>
+          </a:effectRef>
+          <a:fontRef idx="minor">
+            <a:schemeClr val="tx1"/>
+          </a:fontRef>
+        </p:style>
+      </p:cxnSp>
+      <p:sp>
+        <p:nvSpPr>
+          <p:cNvPr id="322" name="Elaborazione 321"/>
+          <p:cNvSpPr/>
+          <p:nvPr/>
+        </p:nvSpPr>
+        <p:spPr>
+          <a:xfrm>
+            <a:off x="12152117" y="28219689"/>
+            <a:ext cx="5858895" cy="1548000"/>
+          </a:xfrm>
+          <a:prstGeom prst="flowChartProcess">
+            <a:avLst/>
+          </a:prstGeom>
+          <a:noFill/>
+          <a:ln>
+            <a:solidFill>
+              <a:srgbClr val="D04D2A"/>
+            </a:solidFill>
+          </a:ln>
+        </p:spPr>
+        <p:style>
+          <a:lnRef idx="2">
+            <a:schemeClr val="accent1">
+              <a:shade val="50000"/>
+            </a:schemeClr>
+          </a:lnRef>
+          <a:fillRef idx="1">
+            <a:schemeClr val="accent1"/>
+          </a:fillRef>
+          <a:effectRef idx="0">
+            <a:schemeClr val="accent1"/>
+          </a:effectRef>
+          <a:fontRef idx="minor">
+            <a:schemeClr val="lt1"/>
+          </a:fontRef>
+        </p:style>
+        <p:txBody>
+          <a:bodyPr rtlCol="0" anchor="ctr"/>
+          <a:lstStyle/>
+          <a:p>
+            <a:pPr algn="ctr"/>
+            <a:r>
+              <a:rPr lang="en-US" sz="4000" dirty="0" smtClean="0">
+                <a:solidFill>
+                  <a:sysClr val="windowText" lastClr="000000"/>
+                </a:solidFill>
+              </a:rPr>
+              <a:t>Add missing header in range file</a:t>
+            </a:r>
+            <a:endParaRPr lang="en-US" sz="4000" dirty="0" smtClean="0">
+              <a:solidFill>
+                <a:sysClr val="windowText" lastClr="000000"/>
+              </a:solidFill>
+            </a:endParaRPr>
+          </a:p>
+        </p:txBody>
+      </p:sp>
+      <p:cxnSp>
+        <p:nvCxnSpPr>
+          <p:cNvPr id="324" name="Connettore 2 323"/>
+          <p:cNvCxnSpPr>
+            <a:stCxn id="196" idx="3"/>
+            <a:endCxn id="328" idx="1"/>
+          </p:cNvCxnSpPr>
+          <p:nvPr/>
+        </p:nvCxnSpPr>
+        <p:spPr>
+          <a:xfrm>
+            <a:off x="18011013" y="27276564"/>
+            <a:ext cx="4070215" cy="0"/>
+          </a:xfrm>
+          <a:prstGeom prst="straightConnector1">
+            <a:avLst/>
+          </a:prstGeom>
+          <a:ln>
+            <a:tailEnd type="triangle"/>
+          </a:ln>
+        </p:spPr>
+        <p:style>
+          <a:lnRef idx="1">
+            <a:schemeClr val="accent1"/>
+          </a:lnRef>
+          <a:fillRef idx="0">
+            <a:schemeClr val="accent1"/>
+          </a:fillRef>
+          <a:effectRef idx="0">
+            <a:schemeClr val="accent1"/>
+          </a:effectRef>
+          <a:fontRef idx="minor">
+            <a:schemeClr val="tx1"/>
+          </a:fontRef>
+        </p:style>
+      </p:cxnSp>
+      <p:sp>
+        <p:nvSpPr>
+          <p:cNvPr id="328" name="Elaborazione 327"/>
+          <p:cNvSpPr/>
+          <p:nvPr/>
+        </p:nvSpPr>
+        <p:spPr>
+          <a:xfrm>
+            <a:off x="22081228" y="26502564"/>
+            <a:ext cx="5557001" cy="1548000"/>
+          </a:xfrm>
+          <a:prstGeom prst="flowChartProcess">
+            <a:avLst/>
+          </a:prstGeom>
+          <a:solidFill>
+            <a:srgbClr val="FFC000"/>
+          </a:solidFill>
+          <a:ln>
+            <a:solidFill>
+              <a:srgbClr val="D04D2A"/>
+            </a:solidFill>
+          </a:ln>
+        </p:spPr>
+        <p:style>
+          <a:lnRef idx="2">
+            <a:schemeClr val="accent1">
+              <a:shade val="50000"/>
+            </a:schemeClr>
+          </a:lnRef>
+          <a:fillRef idx="1">
+            <a:schemeClr val="accent1"/>
+          </a:fillRef>
+          <a:effectRef idx="0">
+            <a:schemeClr val="accent1"/>
+          </a:effectRef>
+          <a:fontRef idx="minor">
+            <a:schemeClr val="lt1"/>
+          </a:fontRef>
+        </p:style>
+        <p:txBody>
+          <a:bodyPr rtlCol="0" anchor="ctr"/>
+          <a:lstStyle/>
+          <a:p>
+            <a:pPr algn="ctr"/>
+            <a:r>
+              <a:rPr lang="en-US" sz="4000" dirty="0" smtClean="0">
+                <a:solidFill>
+                  <a:sysClr val="windowText" lastClr="000000"/>
+                </a:solidFill>
+              </a:rPr>
+              <a:t>Warning: there are duplicated rows in files</a:t>
+            </a:r>
+            <a:endParaRPr lang="it-IT" sz="4000" dirty="0">
+              <a:solidFill>
+                <a:sysClr val="windowText" lastClr="000000"/>
+              </a:solidFill>
+            </a:endParaRPr>
+          </a:p>
+        </p:txBody>
+      </p:sp>
+      <p:sp>
+        <p:nvSpPr>
+          <p:cNvPr id="333" name="Decisione 332"/>
+          <p:cNvSpPr/>
+          <p:nvPr/>
+        </p:nvSpPr>
+        <p:spPr>
+          <a:xfrm>
+            <a:off x="10061057" y="30120520"/>
+            <a:ext cx="10025149" cy="2619713"/>
+          </a:xfrm>
+          <a:prstGeom prst="flowChartDecision">
+            <a:avLst/>
+          </a:prstGeom>
+          <a:noFill/>
+          <a:ln>
+            <a:solidFill>
+              <a:srgbClr val="D04D2A"/>
+            </a:solidFill>
+          </a:ln>
+        </p:spPr>
+        <p:style>
+          <a:lnRef idx="2">
+            <a:schemeClr val="accent1">
+              <a:shade val="50000"/>
+            </a:schemeClr>
+          </a:lnRef>
+          <a:fillRef idx="1">
+            <a:schemeClr val="accent1"/>
+          </a:fillRef>
+          <a:effectRef idx="0">
+            <a:schemeClr val="accent1"/>
+          </a:effectRef>
+          <a:fontRef idx="minor">
+            <a:schemeClr val="lt1"/>
+          </a:fontRef>
+        </p:style>
+        <p:txBody>
+          <a:bodyPr rtlCol="0" anchor="ctr"/>
+          <a:lstStyle/>
+          <a:p>
+            <a:pPr algn="ctr"/>
+            <a:r>
+              <a:rPr lang="en-US" sz="4000" dirty="0">
+                <a:solidFill>
+                  <a:schemeClr val="tx1"/>
+                </a:solidFill>
+              </a:rPr>
+              <a:t> </a:t>
+            </a:r>
+            <a:r>
+              <a:rPr lang="en-US" sz="4000" dirty="0" smtClean="0">
+                <a:solidFill>
+                  <a:schemeClr val="tx1"/>
+                </a:solidFill>
+              </a:rPr>
+              <a:t>Range limits</a:t>
+            </a:r>
+            <a:r>
+              <a:rPr lang="en-US" sz="4000" dirty="0">
+                <a:solidFill>
+                  <a:schemeClr val="tx1"/>
+                </a:solidFill>
+              </a:rPr>
+              <a:t> </a:t>
+            </a:r>
+            <a:r>
+              <a:rPr lang="en-US" sz="4000" dirty="0" smtClean="0">
+                <a:solidFill>
+                  <a:schemeClr val="tx1"/>
+                </a:solidFill>
+              </a:rPr>
+              <a:t>is to up to date?</a:t>
+            </a:r>
+            <a:r>
+              <a:rPr lang="en-US" sz="4000" i="1" dirty="0" smtClean="0">
+                <a:solidFill>
+                  <a:srgbClr val="0070C0"/>
+                </a:solidFill>
+              </a:rPr>
+              <a:t> </a:t>
+            </a:r>
+            <a:r>
+              <a:rPr lang="en-US" sz="4000" i="1" dirty="0" err="1">
+                <a:solidFill>
+                  <a:srgbClr val="0070C0"/>
+                </a:solidFill>
+              </a:rPr>
+              <a:t>flag_range_to_update</a:t>
+            </a:r>
+            <a:endParaRPr lang="it-IT" sz="4000" i="1" dirty="0">
+              <a:solidFill>
+                <a:srgbClr val="0070C0"/>
+              </a:solidFill>
+            </a:endParaRPr>
+          </a:p>
+        </p:txBody>
+      </p:sp>
+      <p:cxnSp>
+        <p:nvCxnSpPr>
+          <p:cNvPr id="334" name="Connettore 2 333"/>
+          <p:cNvCxnSpPr>
+            <a:stCxn id="322" idx="2"/>
+            <a:endCxn id="333" idx="0"/>
+          </p:cNvCxnSpPr>
+          <p:nvPr/>
+        </p:nvCxnSpPr>
+        <p:spPr>
+          <a:xfrm flipH="1">
+            <a:off x="15073632" y="29767689"/>
+            <a:ext cx="7933" cy="352831"/>
+          </a:xfrm>
+          <a:prstGeom prst="straightConnector1">
+            <a:avLst/>
+          </a:prstGeom>
+          <a:ln>
+            <a:tailEnd type="triangle"/>
+          </a:ln>
+        </p:spPr>
+        <p:style>
+          <a:lnRef idx="1">
+            <a:schemeClr val="accent1"/>
+          </a:lnRef>
+          <a:fillRef idx="0">
+            <a:schemeClr val="accent1"/>
+          </a:fillRef>
+          <a:effectRef idx="0">
+            <a:schemeClr val="accent1"/>
+          </a:effectRef>
+          <a:fontRef idx="minor">
+            <a:schemeClr val="tx1"/>
+          </a:fontRef>
+        </p:style>
+      </p:cxnSp>
+      <p:sp>
+        <p:nvSpPr>
+          <p:cNvPr id="337" name="CasellaDiTesto 336"/>
+          <p:cNvSpPr txBox="1"/>
+          <p:nvPr/>
+        </p:nvSpPr>
+        <p:spPr>
+          <a:xfrm>
+            <a:off x="19624858" y="30968711"/>
+            <a:ext cx="1992812" cy="923330"/>
+          </a:xfrm>
+          <a:prstGeom prst="rect">
+            <a:avLst/>
+          </a:prstGeom>
+          <a:noFill/>
+          <a:ln>
+            <a:noFill/>
+          </a:ln>
+        </p:spPr>
+        <p:style>
+          <a:lnRef idx="2">
+            <a:schemeClr val="accent1">
+              <a:shade val="50000"/>
+            </a:schemeClr>
+          </a:lnRef>
+          <a:fillRef idx="1">
+            <a:schemeClr val="accent1"/>
+          </a:fillRef>
+          <a:effectRef idx="0">
+            <a:schemeClr val="accent1"/>
+          </a:effectRef>
+          <a:fontRef idx="minor">
+            <a:schemeClr val="lt1"/>
+          </a:fontRef>
+        </p:style>
+        <p:txBody>
+          <a:bodyPr rot="0" spcFirstLastPara="0" vertOverflow="overflow" horzOverflow="overflow" vert="horz" wrap="square" lIns="91440" tIns="45720" rIns="91440" bIns="45720" numCol="1" spcCol="0" rtlCol="0" fromWordArt="0" anchor="ctr" anchorCtr="0" forceAA="0" compatLnSpc="1">
+            <a:prstTxWarp prst="textNoShape">
+              <a:avLst/>
+            </a:prstTxWarp>
+            <a:noAutofit/>
+          </a:bodyPr>
+          <a:lstStyle>
+            <a:defPPr>
+              <a:defRPr lang="de-DE"/>
+            </a:defPPr>
+            <a:lvl1pPr algn="ctr">
+              <a:defRPr sz="4800">
+                <a:solidFill>
+                  <a:sysClr val="windowText" lastClr="000000"/>
+                </a:solidFill>
+              </a:defRPr>
+            </a:lvl1pPr>
+          </a:lstStyle>
+          <a:p>
+            <a:r>
+              <a:rPr lang="en-US" sz="3200" i="1" dirty="0" smtClean="0"/>
+              <a:t>F</a:t>
+            </a:r>
+          </a:p>
+          <a:p>
+            <a:r>
+              <a:rPr lang="en-US" sz="3200" i="1" dirty="0">
+                <a:solidFill>
+                  <a:srgbClr val="0070C0"/>
+                </a:solidFill>
+              </a:rPr>
+              <a:t>1</a:t>
+            </a:r>
+            <a:endParaRPr lang="it-IT" sz="3200" i="1" dirty="0">
+              <a:solidFill>
+                <a:srgbClr val="0070C0"/>
+              </a:solidFill>
+            </a:endParaRPr>
+          </a:p>
+        </p:txBody>
+      </p:sp>
+      <p:sp>
+        <p:nvSpPr>
+          <p:cNvPr id="338" name="Elaborazione 337"/>
+          <p:cNvSpPr/>
+          <p:nvPr/>
+        </p:nvSpPr>
+        <p:spPr>
+          <a:xfrm>
+            <a:off x="21666270" y="30656376"/>
+            <a:ext cx="4541891" cy="1548000"/>
+          </a:xfrm>
+          <a:prstGeom prst="flowChartProcess">
+            <a:avLst/>
+          </a:prstGeom>
+          <a:solidFill>
+            <a:srgbClr val="FF0000"/>
+          </a:solidFill>
+          <a:ln>
+            <a:solidFill>
+              <a:srgbClr val="D04D2A"/>
+            </a:solidFill>
+          </a:ln>
+        </p:spPr>
+        <p:style>
+          <a:lnRef idx="2">
+            <a:schemeClr val="accent1">
+              <a:shade val="50000"/>
+            </a:schemeClr>
+          </a:lnRef>
+          <a:fillRef idx="1">
+            <a:schemeClr val="accent1"/>
+          </a:fillRef>
+          <a:effectRef idx="0">
+            <a:schemeClr val="accent1"/>
+          </a:effectRef>
+          <a:fontRef idx="minor">
+            <a:schemeClr val="lt1"/>
+          </a:fontRef>
+        </p:style>
+        <p:txBody>
+          <a:bodyPr rtlCol="0" anchor="ctr"/>
+          <a:lstStyle/>
+          <a:p>
+            <a:pPr algn="ctr"/>
+            <a:r>
+              <a:rPr lang="en-US" sz="4000" dirty="0">
+                <a:solidFill>
+                  <a:sysClr val="windowText" lastClr="000000"/>
+                </a:solidFill>
+              </a:rPr>
+              <a:t>Error: </a:t>
+            </a:r>
+            <a:r>
+              <a:rPr lang="en-US" sz="4000" dirty="0" smtClean="0">
+                <a:solidFill>
+                  <a:sysClr val="windowText" lastClr="000000"/>
+                </a:solidFill>
+              </a:rPr>
+              <a:t>update range limits</a:t>
+            </a:r>
+            <a:endParaRPr lang="it-IT" sz="4000" dirty="0">
+              <a:solidFill>
+                <a:sysClr val="windowText" lastClr="000000"/>
+              </a:solidFill>
+            </a:endParaRPr>
+          </a:p>
+        </p:txBody>
+      </p:sp>
+      <p:sp>
+        <p:nvSpPr>
+          <p:cNvPr id="339" name="Terminatore 338"/>
+          <p:cNvSpPr/>
+          <p:nvPr/>
+        </p:nvSpPr>
+        <p:spPr>
+          <a:xfrm>
+            <a:off x="27799337" y="30926376"/>
+            <a:ext cx="2126209" cy="1008000"/>
+          </a:xfrm>
+          <a:prstGeom prst="flowChartTerminator">
+            <a:avLst/>
+          </a:prstGeom>
+          <a:noFill/>
+          <a:ln>
+            <a:solidFill>
+              <a:srgbClr val="D04D2A"/>
+            </a:solidFill>
+          </a:ln>
+        </p:spPr>
+        <p:style>
+          <a:lnRef idx="2">
+            <a:schemeClr val="accent1">
+              <a:shade val="50000"/>
+            </a:schemeClr>
+          </a:lnRef>
+          <a:fillRef idx="1">
+            <a:schemeClr val="accent1"/>
+          </a:fillRef>
+          <a:effectRef idx="0">
+            <a:schemeClr val="accent1"/>
+          </a:effectRef>
+          <a:fontRef idx="minor">
+            <a:schemeClr val="lt1"/>
+          </a:fontRef>
+        </p:style>
+        <p:txBody>
+          <a:bodyPr rtlCol="0" anchor="ctr"/>
+          <a:lstStyle/>
+          <a:p>
+            <a:pPr algn="ctr"/>
+            <a:r>
+              <a:rPr lang="en-US" sz="4000" dirty="0">
+                <a:solidFill>
+                  <a:sysClr val="windowText" lastClr="000000"/>
+                </a:solidFill>
+              </a:rPr>
+              <a:t>End</a:t>
+            </a:r>
+            <a:endParaRPr lang="it-IT" sz="4000" dirty="0">
+              <a:solidFill>
+                <a:sysClr val="windowText" lastClr="000000"/>
+              </a:solidFill>
+            </a:endParaRPr>
+          </a:p>
+        </p:txBody>
+      </p:sp>
+      <p:cxnSp>
+        <p:nvCxnSpPr>
+          <p:cNvPr id="1100" name="Connettore 2 1099"/>
+          <p:cNvCxnSpPr>
+            <a:stCxn id="338" idx="3"/>
+            <a:endCxn id="339" idx="1"/>
+          </p:cNvCxnSpPr>
+          <p:nvPr/>
+        </p:nvCxnSpPr>
+        <p:spPr>
+          <a:xfrm>
+            <a:off x="26208161" y="31430376"/>
+            <a:ext cx="1591176" cy="0"/>
+          </a:xfrm>
+          <a:prstGeom prst="straightConnector1">
+            <a:avLst/>
+          </a:prstGeom>
+          <a:ln>
+            <a:tailEnd type="triangle"/>
+          </a:ln>
+        </p:spPr>
+        <p:style>
+          <a:lnRef idx="1">
+            <a:schemeClr val="accent1"/>
+          </a:lnRef>
+          <a:fillRef idx="0">
+            <a:schemeClr val="accent1"/>
+          </a:fillRef>
+          <a:effectRef idx="0">
+            <a:schemeClr val="accent1"/>
+          </a:effectRef>
+          <a:fontRef idx="minor">
+            <a:schemeClr val="tx1"/>
+          </a:fontRef>
+        </p:style>
+      </p:cxnSp>
+      <p:cxnSp>
+        <p:nvCxnSpPr>
+          <p:cNvPr id="1102" name="Connettore 2 1101"/>
+          <p:cNvCxnSpPr>
+            <a:stCxn id="333" idx="3"/>
+            <a:endCxn id="338" idx="1"/>
+          </p:cNvCxnSpPr>
+          <p:nvPr/>
+        </p:nvCxnSpPr>
+        <p:spPr>
+          <a:xfrm flipV="1">
+            <a:off x="20086206" y="31430376"/>
+            <a:ext cx="1580064" cy="1"/>
+          </a:xfrm>
+          <a:prstGeom prst="straightConnector1">
+            <a:avLst/>
+          </a:prstGeom>
+          <a:ln>
+            <a:tailEnd type="triangle"/>
+          </a:ln>
+        </p:spPr>
+        <p:style>
+          <a:lnRef idx="1">
+            <a:schemeClr val="accent1"/>
+          </a:lnRef>
+          <a:fillRef idx="0">
+            <a:schemeClr val="accent1"/>
+          </a:fillRef>
+          <a:effectRef idx="0">
+            <a:schemeClr val="accent1"/>
+          </a:effectRef>
+          <a:fontRef idx="minor">
+            <a:schemeClr val="tx1"/>
+          </a:fontRef>
+        </p:style>
+      </p:cxnSp>
+      <p:sp>
+        <p:nvSpPr>
+          <p:cNvPr id="344" name="Elaborazione 343"/>
+          <p:cNvSpPr/>
+          <p:nvPr/>
+        </p:nvSpPr>
+        <p:spPr>
+          <a:xfrm>
+            <a:off x="12152117" y="33210919"/>
+            <a:ext cx="5858895" cy="1548000"/>
+          </a:xfrm>
+          <a:prstGeom prst="flowChartProcess">
+            <a:avLst/>
+          </a:prstGeom>
+          <a:noFill/>
+          <a:ln>
+            <a:solidFill>
+              <a:srgbClr val="D04D2A"/>
+            </a:solidFill>
+          </a:ln>
+        </p:spPr>
+        <p:style>
+          <a:lnRef idx="2">
+            <a:schemeClr val="accent1">
+              <a:shade val="50000"/>
+            </a:schemeClr>
+          </a:lnRef>
+          <a:fillRef idx="1">
+            <a:schemeClr val="accent1"/>
+          </a:fillRef>
+          <a:effectRef idx="0">
+            <a:schemeClr val="accent1"/>
+          </a:effectRef>
+          <a:fontRef idx="minor">
+            <a:schemeClr val="lt1"/>
+          </a:fontRef>
+        </p:style>
+        <p:txBody>
+          <a:bodyPr rtlCol="0" anchor="ctr"/>
+          <a:lstStyle/>
+          <a:p>
+            <a:pPr algn="ctr"/>
+            <a:r>
+              <a:rPr lang="en-US" sz="4000" dirty="0" smtClean="0">
+                <a:solidFill>
+                  <a:sysClr val="windowText" lastClr="000000"/>
+                </a:solidFill>
+              </a:rPr>
+              <a:t>Detect values out of range</a:t>
+            </a:r>
+            <a:endParaRPr lang="en-US" sz="4000" dirty="0" smtClean="0">
+              <a:solidFill>
+                <a:sysClr val="windowText" lastClr="000000"/>
+              </a:solidFill>
+            </a:endParaRPr>
+          </a:p>
+        </p:txBody>
+      </p:sp>
+      <p:cxnSp>
+        <p:nvCxnSpPr>
+          <p:cNvPr id="1104" name="Connettore 2 1103"/>
+          <p:cNvCxnSpPr>
+            <a:stCxn id="333" idx="2"/>
+            <a:endCxn id="344" idx="0"/>
+          </p:cNvCxnSpPr>
+          <p:nvPr/>
+        </p:nvCxnSpPr>
+        <p:spPr>
+          <a:xfrm>
+            <a:off x="15073632" y="32740233"/>
+            <a:ext cx="7933" cy="470686"/>
+          </a:xfrm>
+          <a:prstGeom prst="straightConnector1">
+            <a:avLst/>
+          </a:prstGeom>
+          <a:ln>
+            <a:tailEnd type="triangle"/>
+          </a:ln>
+        </p:spPr>
+        <p:style>
+          <a:lnRef idx="1">
+            <a:schemeClr val="accent1"/>
+          </a:lnRef>
+          <a:fillRef idx="0">
+            <a:schemeClr val="accent1"/>
+          </a:fillRef>
+          <a:effectRef idx="0">
+            <a:schemeClr val="accent1"/>
+          </a:effectRef>
+          <a:fontRef idx="minor">
+            <a:schemeClr val="tx1"/>
+          </a:fontRef>
+        </p:style>
+      </p:cxnSp>
+      <p:sp>
+        <p:nvSpPr>
+          <p:cNvPr id="349" name="CasellaDiTesto 348"/>
+          <p:cNvSpPr txBox="1"/>
+          <p:nvPr/>
+        </p:nvSpPr>
+        <p:spPr>
+          <a:xfrm>
+            <a:off x="14085158" y="32503157"/>
+            <a:ext cx="1992812" cy="923330"/>
+          </a:xfrm>
+          <a:prstGeom prst="rect">
+            <a:avLst/>
+          </a:prstGeom>
+          <a:noFill/>
+          <a:ln>
+            <a:noFill/>
+          </a:ln>
+        </p:spPr>
+        <p:style>
+          <a:lnRef idx="2">
+            <a:schemeClr val="accent1">
+              <a:shade val="50000"/>
+            </a:schemeClr>
+          </a:lnRef>
+          <a:fillRef idx="1">
+            <a:schemeClr val="accent1"/>
+          </a:fillRef>
+          <a:effectRef idx="0">
+            <a:schemeClr val="accent1"/>
+          </a:effectRef>
+          <a:fontRef idx="minor">
+            <a:schemeClr val="lt1"/>
+          </a:fontRef>
+        </p:style>
+        <p:txBody>
+          <a:bodyPr rot="0" spcFirstLastPara="0" vertOverflow="overflow" horzOverflow="overflow" vert="horz" wrap="square" lIns="91440" tIns="45720" rIns="91440" bIns="45720" numCol="1" spcCol="0" rtlCol="0" fromWordArt="0" anchor="ctr" anchorCtr="0" forceAA="0" compatLnSpc="1">
+            <a:prstTxWarp prst="textNoShape">
+              <a:avLst/>
+            </a:prstTxWarp>
+            <a:noAutofit/>
+          </a:bodyPr>
+          <a:lstStyle>
+            <a:defPPr>
+              <a:defRPr lang="de-DE"/>
+            </a:defPPr>
+            <a:lvl1pPr algn="ctr">
+              <a:defRPr sz="4800">
+                <a:solidFill>
+                  <a:sysClr val="windowText" lastClr="000000"/>
+                </a:solidFill>
+              </a:defRPr>
+            </a:lvl1pPr>
+          </a:lstStyle>
+          <a:p>
+            <a:r>
+              <a:rPr lang="en-US" sz="3200" i="1" dirty="0" smtClean="0"/>
+              <a:t>T    </a:t>
+            </a:r>
+            <a:r>
+              <a:rPr lang="en-US" sz="3200" i="1" dirty="0" smtClean="0">
+                <a:solidFill>
+                  <a:srgbClr val="0070C0"/>
+                </a:solidFill>
+              </a:rPr>
+              <a:t>0</a:t>
+            </a:r>
+            <a:endParaRPr lang="it-IT" sz="3200" i="1" dirty="0">
+              <a:solidFill>
+                <a:srgbClr val="0070C0"/>
+              </a:solidFill>
+            </a:endParaRPr>
+          </a:p>
+        </p:txBody>
+      </p:sp>
+      <p:cxnSp>
+        <p:nvCxnSpPr>
+          <p:cNvPr id="1107" name="Connettore 4 1106"/>
+          <p:cNvCxnSpPr>
+            <a:stCxn id="113" idx="3"/>
+            <a:endCxn id="38" idx="1"/>
+          </p:cNvCxnSpPr>
+          <p:nvPr/>
+        </p:nvCxnSpPr>
+        <p:spPr>
+          <a:xfrm>
+            <a:off x="6139988" y="11161475"/>
+            <a:ext cx="5064819" cy="1676184"/>
+          </a:xfrm>
+          <a:prstGeom prst="bentConnector3">
+            <a:avLst/>
+          </a:prstGeom>
+          <a:ln>
+            <a:solidFill>
+              <a:schemeClr val="tx1"/>
+            </a:solidFill>
+            <a:tailEnd type="triangle"/>
+          </a:ln>
+        </p:spPr>
+        <p:style>
+          <a:lnRef idx="1">
+            <a:schemeClr val="accent1"/>
+          </a:lnRef>
+          <a:fillRef idx="0">
+            <a:schemeClr val="accent1"/>
+          </a:fillRef>
+          <a:effectRef idx="0">
+            <a:schemeClr val="accent1"/>
+          </a:effectRef>
+          <a:fontRef idx="minor">
+            <a:schemeClr val="tx1"/>
+          </a:fontRef>
+        </p:style>
+      </p:cxnSp>
+      <p:cxnSp>
+        <p:nvCxnSpPr>
+          <p:cNvPr id="1114" name="Connettore 2 1113"/>
+          <p:cNvCxnSpPr>
+            <a:stCxn id="138" idx="3"/>
+            <a:endCxn id="90" idx="1"/>
+          </p:cNvCxnSpPr>
+          <p:nvPr/>
+        </p:nvCxnSpPr>
+        <p:spPr>
+          <a:xfrm>
+            <a:off x="6139987" y="17164701"/>
+            <a:ext cx="6012131" cy="0"/>
+          </a:xfrm>
+          <a:prstGeom prst="straightConnector1">
+            <a:avLst/>
+          </a:prstGeom>
+          <a:ln>
+            <a:solidFill>
+              <a:schemeClr val="tx1"/>
+            </a:solidFill>
+            <a:tailEnd type="triangle"/>
+          </a:ln>
+        </p:spPr>
+        <p:style>
+          <a:lnRef idx="1">
+            <a:schemeClr val="accent1"/>
+          </a:lnRef>
+          <a:fillRef idx="0">
+            <a:schemeClr val="accent1"/>
+          </a:fillRef>
+          <a:effectRef idx="0">
+            <a:schemeClr val="accent1"/>
+          </a:effectRef>
+          <a:fontRef idx="minor">
+            <a:schemeClr val="tx1"/>
+          </a:fontRef>
+        </p:style>
+      </p:cxnSp>
+      <p:cxnSp>
+        <p:nvCxnSpPr>
+          <p:cNvPr id="1116" name="Connettore 4 1115"/>
+          <p:cNvCxnSpPr>
+            <a:stCxn id="167" idx="3"/>
+            <a:endCxn id="110" idx="1"/>
+          </p:cNvCxnSpPr>
+          <p:nvPr/>
+        </p:nvCxnSpPr>
+        <p:spPr>
+          <a:xfrm>
+            <a:off x="6139987" y="20660693"/>
+            <a:ext cx="6012131" cy="877254"/>
+          </a:xfrm>
+          <a:prstGeom prst="bentConnector3">
+            <a:avLst/>
+          </a:prstGeom>
+          <a:ln>
+            <a:solidFill>
+              <a:schemeClr val="tx1"/>
+            </a:solidFill>
+            <a:tailEnd type="triangle"/>
+          </a:ln>
+        </p:spPr>
+        <p:style>
+          <a:lnRef idx="1">
+            <a:schemeClr val="accent1"/>
+          </a:lnRef>
+          <a:fillRef idx="0">
+            <a:schemeClr val="accent1"/>
+          </a:fillRef>
+          <a:effectRef idx="0">
+            <a:schemeClr val="accent1"/>
+          </a:effectRef>
+          <a:fontRef idx="minor">
+            <a:schemeClr val="tx1"/>
+          </a:fontRef>
+        </p:style>
+      </p:cxnSp>
+      <p:cxnSp>
+        <p:nvCxnSpPr>
+          <p:cNvPr id="1118" name="Connettore 2 1117"/>
+          <p:cNvCxnSpPr>
+            <a:stCxn id="168" idx="3"/>
+            <a:endCxn id="142" idx="1"/>
+          </p:cNvCxnSpPr>
+          <p:nvPr/>
+        </p:nvCxnSpPr>
+        <p:spPr>
+          <a:xfrm>
+            <a:off x="6139987" y="22930162"/>
+            <a:ext cx="6013020" cy="0"/>
+          </a:xfrm>
+          <a:prstGeom prst="straightConnector1">
+            <a:avLst/>
+          </a:prstGeom>
+          <a:ln>
+            <a:solidFill>
+              <a:schemeClr val="tx1"/>
+            </a:solidFill>
+            <a:tailEnd type="triangle"/>
+          </a:ln>
+        </p:spPr>
+        <p:style>
+          <a:lnRef idx="1">
+            <a:schemeClr val="accent1"/>
+          </a:lnRef>
+          <a:fillRef idx="0">
+            <a:schemeClr val="accent1"/>
+          </a:fillRef>
+          <a:effectRef idx="0">
+            <a:schemeClr val="accent1"/>
+          </a:effectRef>
+          <a:fontRef idx="minor">
+            <a:schemeClr val="tx1"/>
+          </a:fontRef>
+        </p:style>
+      </p:cxnSp>
+      <p:sp>
+        <p:nvSpPr>
+          <p:cNvPr id="1119" name="Documento 1118"/>
+          <p:cNvSpPr/>
+          <p:nvPr/>
+        </p:nvSpPr>
+        <p:spPr>
+          <a:xfrm>
+            <a:off x="12152117" y="35620773"/>
+            <a:ext cx="5858895" cy="2624514"/>
+          </a:xfrm>
+          <a:prstGeom prst="flowChartDocument">
+            <a:avLst/>
+          </a:prstGeom>
+          <a:noFill/>
+          <a:ln>
+            <a:solidFill>
+              <a:srgbClr val="D04D2A"/>
+            </a:solidFill>
+          </a:ln>
+        </p:spPr>
+        <p:style>
+          <a:lnRef idx="2">
+            <a:schemeClr val="accent1">
+              <a:shade val="50000"/>
+            </a:schemeClr>
+          </a:lnRef>
+          <a:fillRef idx="1">
+            <a:schemeClr val="accent1"/>
+          </a:fillRef>
+          <a:effectRef idx="0">
+            <a:schemeClr val="accent1"/>
+          </a:effectRef>
+          <a:fontRef idx="minor">
+            <a:schemeClr val="lt1"/>
+          </a:fontRef>
+        </p:style>
+        <p:txBody>
+          <a:bodyPr rtlCol="0" anchor="ctr"/>
+          <a:lstStyle/>
+          <a:p>
+            <a:pPr algn="ctr"/>
+            <a:r>
+              <a:rPr lang="en-US" sz="4000" dirty="0" smtClean="0">
+                <a:solidFill>
+                  <a:sysClr val="windowText" lastClr="000000"/>
+                </a:solidFill>
+              </a:rPr>
+              <a:t>DQC_OK_file_lastdate.csv</a:t>
+            </a:r>
+            <a:endParaRPr lang="it-IT" sz="4000" dirty="0">
+              <a:solidFill>
+                <a:sysClr val="windowText" lastClr="000000"/>
+              </a:solidFill>
+            </a:endParaRPr>
+          </a:p>
+        </p:txBody>
+      </p:sp>
+      <p:cxnSp>
+        <p:nvCxnSpPr>
+          <p:cNvPr id="321" name="Connettore 2 320"/>
+          <p:cNvCxnSpPr>
+            <a:stCxn id="344" idx="2"/>
+            <a:endCxn id="1119" idx="0"/>
+          </p:cNvCxnSpPr>
+          <p:nvPr/>
+        </p:nvCxnSpPr>
+        <p:spPr>
+          <a:xfrm>
+            <a:off x="15081565" y="34758919"/>
+            <a:ext cx="0" cy="861854"/>
+          </a:xfrm>
+          <a:prstGeom prst="straightConnector1">
+            <a:avLst/>
+          </a:prstGeom>
+          <a:ln>
+            <a:tailEnd type="triangle"/>
+          </a:ln>
+        </p:spPr>
+        <p:style>
+          <a:lnRef idx="1">
+            <a:schemeClr val="accent1"/>
+          </a:lnRef>
+          <a:fillRef idx="0">
+            <a:schemeClr val="accent1"/>
+          </a:fillRef>
+          <a:effectRef idx="0">
+            <a:schemeClr val="accent1"/>
+          </a:effectRef>
+          <a:fontRef idx="minor">
+            <a:schemeClr val="tx1"/>
+          </a:fontRef>
+        </p:style>
+      </p:cxnSp>
+      <p:sp>
+        <p:nvSpPr>
+          <p:cNvPr id="366" name="Terminatore 365"/>
+          <p:cNvSpPr/>
+          <p:nvPr/>
+        </p:nvSpPr>
+        <p:spPr>
+          <a:xfrm>
+            <a:off x="14010526" y="38847713"/>
+            <a:ext cx="2126209" cy="1008000"/>
+          </a:xfrm>
+          <a:prstGeom prst="flowChartTerminator">
+            <a:avLst/>
+          </a:prstGeom>
+          <a:noFill/>
+          <a:ln>
+            <a:solidFill>
+              <a:srgbClr val="D04D2A"/>
+            </a:solidFill>
+          </a:ln>
+        </p:spPr>
+        <p:style>
+          <a:lnRef idx="2">
+            <a:schemeClr val="accent1">
+              <a:shade val="50000"/>
+            </a:schemeClr>
+          </a:lnRef>
+          <a:fillRef idx="1">
+            <a:schemeClr val="accent1"/>
+          </a:fillRef>
+          <a:effectRef idx="0">
+            <a:schemeClr val="accent1"/>
+          </a:effectRef>
+          <a:fontRef idx="minor">
+            <a:schemeClr val="lt1"/>
+          </a:fontRef>
+        </p:style>
+        <p:txBody>
+          <a:bodyPr rtlCol="0" anchor="ctr"/>
+          <a:lstStyle/>
+          <a:p>
+            <a:pPr algn="ctr"/>
+            <a:r>
+              <a:rPr lang="en-US" sz="4000" dirty="0">
+                <a:solidFill>
+                  <a:sysClr val="windowText" lastClr="000000"/>
+                </a:solidFill>
+              </a:rPr>
+              <a:t>End</a:t>
+            </a:r>
+            <a:endParaRPr lang="it-IT" sz="4000" dirty="0">
+              <a:solidFill>
+                <a:sysClr val="windowText" lastClr="000000"/>
+              </a:solidFill>
+            </a:endParaRPr>
+          </a:p>
+        </p:txBody>
+      </p:sp>
+      <p:cxnSp>
+        <p:nvCxnSpPr>
+          <p:cNvPr id="326" name="Connettore 2 325"/>
+          <p:cNvCxnSpPr>
+            <a:stCxn id="1119" idx="2"/>
+            <a:endCxn id="366" idx="0"/>
+          </p:cNvCxnSpPr>
+          <p:nvPr/>
+        </p:nvCxnSpPr>
+        <p:spPr>
+          <a:xfrm flipH="1">
+            <a:off x="15073631" y="38071777"/>
+            <a:ext cx="7934" cy="775936"/>
+          </a:xfrm>
+          <a:prstGeom prst="straightConnector1">
+            <a:avLst/>
+          </a:prstGeom>
+          <a:ln>
+            <a:tailEnd type="triangle"/>
+          </a:ln>
+        </p:spPr>
+        <p:style>
+          <a:lnRef idx="1">
+            <a:schemeClr val="accent1"/>
+          </a:lnRef>
+          <a:fillRef idx="0">
+            <a:schemeClr val="accent1"/>
+          </a:fillRef>
+          <a:effectRef idx="0">
+            <a:schemeClr val="accent1"/>
+          </a:effectRef>
+          <a:fontRef idx="minor">
+            <a:schemeClr val="tx1"/>
+          </a:fontRef>
+        </p:style>
+      </p:cxnSp>
+      <p:sp>
+        <p:nvSpPr>
+          <p:cNvPr id="371" name="Documento 370"/>
+          <p:cNvSpPr/>
+          <p:nvPr/>
+        </p:nvSpPr>
+        <p:spPr>
+          <a:xfrm>
+            <a:off x="19318841" y="20759808"/>
+            <a:ext cx="3435819" cy="1548000"/>
+          </a:xfrm>
+          <a:prstGeom prst="flowChartDocument">
+            <a:avLst/>
+          </a:prstGeom>
+          <a:noFill/>
+          <a:ln>
+            <a:solidFill>
+              <a:srgbClr val="D04D2A"/>
+            </a:solidFill>
+          </a:ln>
+        </p:spPr>
+        <p:style>
+          <a:lnRef idx="2">
+            <a:schemeClr val="accent1">
+              <a:shade val="50000"/>
+            </a:schemeClr>
+          </a:lnRef>
+          <a:fillRef idx="1">
+            <a:schemeClr val="accent1"/>
+          </a:fillRef>
+          <a:effectRef idx="0">
+            <a:schemeClr val="accent1"/>
+          </a:effectRef>
+          <a:fontRef idx="minor">
+            <a:schemeClr val="lt1"/>
+          </a:fontRef>
+        </p:style>
+        <p:txBody>
+          <a:bodyPr rtlCol="0" anchor="ctr"/>
+          <a:lstStyle/>
+          <a:p>
+            <a:pPr algn="ctr"/>
+            <a:r>
+              <a:rPr lang="en-US" sz="4000" dirty="0" smtClean="0">
+                <a:solidFill>
+                  <a:sysClr val="windowText" lastClr="000000"/>
+                </a:solidFill>
+              </a:rPr>
+              <a:t>Duplicated_file_lastdate.csv</a:t>
+            </a:r>
+            <a:endParaRPr lang="it-IT" sz="4000" dirty="0">
+              <a:solidFill>
+                <a:sysClr val="windowText" lastClr="000000"/>
+              </a:solidFill>
+            </a:endParaRPr>
+          </a:p>
+        </p:txBody>
+      </p:sp>
+      <p:cxnSp>
+        <p:nvCxnSpPr>
+          <p:cNvPr id="331" name="Connettore 2 330"/>
+          <p:cNvCxnSpPr>
+            <a:stCxn id="110" idx="3"/>
+            <a:endCxn id="371" idx="1"/>
+          </p:cNvCxnSpPr>
+          <p:nvPr/>
+        </p:nvCxnSpPr>
+        <p:spPr>
+          <a:xfrm flipV="1">
+            <a:off x="18011013" y="21533808"/>
+            <a:ext cx="1307828" cy="4139"/>
+          </a:xfrm>
+          <a:prstGeom prst="straightConnector1">
+            <a:avLst/>
+          </a:prstGeom>
+          <a:ln>
+            <a:tailEnd type="triangle"/>
+          </a:ln>
+        </p:spPr>
+        <p:style>
+          <a:lnRef idx="1">
+            <a:schemeClr val="accent1"/>
+          </a:lnRef>
+          <a:fillRef idx="0">
+            <a:schemeClr val="accent1"/>
+          </a:fillRef>
+          <a:effectRef idx="0">
+            <a:schemeClr val="accent1"/>
+          </a:effectRef>
+          <a:fontRef idx="minor">
+            <a:schemeClr val="tx1"/>
+          </a:fontRef>
+        </p:style>
+      </p:cxnSp>
+      <p:cxnSp>
+        <p:nvCxnSpPr>
+          <p:cNvPr id="335" name="Connettore 2 334"/>
+          <p:cNvCxnSpPr>
+            <a:stCxn id="371" idx="3"/>
+            <a:endCxn id="183" idx="1"/>
+          </p:cNvCxnSpPr>
+          <p:nvPr/>
+        </p:nvCxnSpPr>
+        <p:spPr>
+          <a:xfrm>
+            <a:off x="22754660" y="21533808"/>
+            <a:ext cx="1089958" cy="4139"/>
+          </a:xfrm>
+          <a:prstGeom prst="straightConnector1">
+            <a:avLst/>
+          </a:prstGeom>
+          <a:ln>
+            <a:tailEnd type="triangle"/>
+          </a:ln>
+        </p:spPr>
+        <p:style>
+          <a:lnRef idx="1">
+            <a:schemeClr val="accent1"/>
+          </a:lnRef>
+          <a:fillRef idx="0">
+            <a:schemeClr val="accent1"/>
+          </a:fillRef>
+          <a:effectRef idx="0">
+            <a:schemeClr val="accent1"/>
+          </a:effectRef>
+          <a:fontRef idx="minor">
+            <a:schemeClr val="tx1"/>
+          </a:fontRef>
+        </p:style>
+      </p:cxnSp>
     </p:spTree>
     <p:extLst>
       <p:ext uri="{BB962C8B-B14F-4D97-AF65-F5344CB8AC3E}">

--- a/Other/Workflow.pptx
+++ b/Other/Workflow.pptx
@@ -5,10 +5,11 @@
     <p:sldMasterId id="2147483648" r:id="rId1"/>
   </p:sldMasterIdLst>
   <p:notesMasterIdLst>
-    <p:notesMasterId r:id="rId3"/>
+    <p:notesMasterId r:id="rId4"/>
   </p:notesMasterIdLst>
   <p:sldIdLst>
     <p:sldId id="257" r:id="rId2"/>
+    <p:sldId id="258" r:id="rId3"/>
   </p:sldIdLst>
   <p:sldSz cx="30275213" cy="42803763"/>
   <p:notesSz cx="6858000" cy="9144000"/>
@@ -15461,23 +15462,7 @@
                   <a:sysClr val="windowText" lastClr="000000"/>
                 </a:solidFill>
               </a:rPr>
-              <a:t>Error: more </a:t>
-            </a:r>
-            <a:r>
-              <a:rPr lang="en-US" sz="4000" dirty="0">
-                <a:solidFill>
-                  <a:sysClr val="windowText" lastClr="000000"/>
-                </a:solidFill>
-              </a:rPr>
-              <a:t>header than </a:t>
-            </a:r>
-            <a:r>
-              <a:rPr lang="en-US" sz="4000" dirty="0">
-                <a:solidFill>
-                  <a:sysClr val="windowText" lastClr="000000"/>
-                </a:solidFill>
-              </a:rPr>
-              <a:t>data!</a:t>
+              <a:t>Error: more header than data!</a:t>
             </a:r>
             <a:endParaRPr lang="it-IT" sz="4000" dirty="0">
               <a:solidFill>
@@ -15614,15 +15599,7 @@
             </a:r>
             <a:r>
               <a:rPr lang="en-US" sz="3200" i="1" dirty="0" smtClean="0"/>
-              <a:t>eader </a:t>
-            </a:r>
-            <a:r>
-              <a:rPr lang="en-US" sz="3200" i="1" dirty="0" smtClean="0"/>
-              <a:t>&gt; </a:t>
-            </a:r>
-            <a:r>
-              <a:rPr lang="en-US" sz="3200" i="1" dirty="0" smtClean="0"/>
-              <a:t>data</a:t>
+              <a:t>eader &gt; data</a:t>
             </a:r>
           </a:p>
           <a:p>
@@ -16094,21 +16071,8 @@
                   <a:sysClr val="windowText" lastClr="000000"/>
                 </a:solidFill>
               </a:rPr>
-              <a:t>Check </a:t>
-            </a:r>
-            <a:r>
-              <a:rPr lang="en-US" sz="4000" dirty="0" smtClean="0">
-                <a:solidFill>
-                  <a:sysClr val="windowText" lastClr="000000"/>
-                </a:solidFill>
-              </a:rPr>
-              <a:t>last download date</a:t>
-            </a:r>
-            <a:endParaRPr lang="en-US" sz="4000" dirty="0" smtClean="0">
-              <a:solidFill>
-                <a:sysClr val="windowText" lastClr="000000"/>
-              </a:solidFill>
-            </a:endParaRPr>
+              <a:t>Check last download date</a:t>
+            </a:r>
           </a:p>
         </p:txBody>
       </p:sp>
@@ -16236,11 +16200,6 @@
               </a:rPr>
               <a:t>Deletes duplicated rows</a:t>
             </a:r>
-            <a:endParaRPr lang="en-US" sz="4000" dirty="0" smtClean="0">
-              <a:solidFill>
-                <a:sysClr val="windowText" lastClr="000000"/>
-              </a:solidFill>
-            </a:endParaRPr>
           </a:p>
         </p:txBody>
       </p:sp>
@@ -16646,11 +16605,6 @@
               </a:rPr>
               <a:t>Detect overlaps</a:t>
             </a:r>
-            <a:endParaRPr lang="en-US" sz="4000" dirty="0" smtClean="0">
-              <a:solidFill>
-                <a:sysClr val="windowText" lastClr="000000"/>
-              </a:solidFill>
-            </a:endParaRPr>
           </a:p>
         </p:txBody>
       </p:sp>
@@ -16726,7 +16680,6 @@
               <a:rPr lang="en-US" sz="2400" dirty="0" smtClean="0"/>
               <a:t>Note: </a:t>
             </a:r>
-            <a:endParaRPr lang="en-US" sz="2400" dirty="0" smtClean="0"/>
           </a:p>
           <a:p>
             <a:r>
@@ -16773,7 +16726,6 @@
               <a:rPr lang="en-US" sz="2400" dirty="0" smtClean="0"/>
               <a:t>Note: </a:t>
             </a:r>
-            <a:endParaRPr lang="en-US" sz="2400" dirty="0" smtClean="0"/>
           </a:p>
           <a:p>
             <a:r>
@@ -17888,11 +17840,6 @@
               </a:rPr>
               <a:t>Add missing header in range file</a:t>
             </a:r>
-            <a:endParaRPr lang="en-US" sz="4000" dirty="0" smtClean="0">
-              <a:solidFill>
-                <a:sysClr val="windowText" lastClr="000000"/>
-              </a:solidFill>
-            </a:endParaRPr>
           </a:p>
         </p:txBody>
       </p:sp>
@@ -18451,11 +18398,6 @@
               </a:rPr>
               <a:t>Detect values out of range</a:t>
             </a:r>
-            <a:endParaRPr lang="en-US" sz="4000" dirty="0" smtClean="0">
-              <a:solidFill>
-                <a:sysClr val="windowText" lastClr="000000"/>
-              </a:solidFill>
-            </a:endParaRPr>
           </a:p>
         </p:txBody>
       </p:sp>
@@ -19048,6 +18990,503 @@
     <p:extLst>
       <p:ext uri="{BB962C8B-B14F-4D97-AF65-F5344CB8AC3E}">
         <p14:creationId xmlns:p14="http://schemas.microsoft.com/office/powerpoint/2010/main" val="3480215171"/>
+      </p:ext>
+    </p:extLst>
+  </p:cSld>
+  <p:clrMapOvr>
+    <a:masterClrMapping/>
+  </p:clrMapOvr>
+</p:sld>
+</file>
+
+<file path=ppt/slides/slide2.xml><?xml version="1.0" encoding="utf-8"?>
+<p:sld xmlns:a="http://schemas.openxmlformats.org/drawingml/2006/main" xmlns:r="http://schemas.openxmlformats.org/officeDocument/2006/relationships" xmlns:p="http://schemas.openxmlformats.org/presentationml/2006/main">
+  <p:cSld>
+    <p:spTree>
+      <p:nvGrpSpPr>
+        <p:cNvPr id="1" name=""/>
+        <p:cNvGrpSpPr/>
+        <p:nvPr/>
+      </p:nvGrpSpPr>
+      <p:grpSpPr>
+        <a:xfrm>
+          <a:off x="0" y="0"/>
+          <a:ext cx="0" cy="0"/>
+          <a:chOff x="0" y="0"/>
+          <a:chExt cx="0" cy="0"/>
+        </a:xfrm>
+      </p:grpSpPr>
+      <p:sp>
+        <p:nvSpPr>
+          <p:cNvPr id="3" name="Segnaposto testo 2"/>
+          <p:cNvSpPr>
+            <a:spLocks noGrp="1"/>
+          </p:cNvSpPr>
+          <p:nvPr>
+            <p:ph type="body" sz="quarter" idx="20"/>
+          </p:nvPr>
+        </p:nvSpPr>
+        <p:spPr/>
+        <p:txBody>
+          <a:bodyPr/>
+          <a:lstStyle/>
+          <a:p>
+            <a:endParaRPr lang="it-IT"/>
+          </a:p>
+        </p:txBody>
+      </p:sp>
+      <p:sp>
+        <p:nvSpPr>
+          <p:cNvPr id="4" name="Segnaposto contenuto 3"/>
+          <p:cNvSpPr>
+            <a:spLocks noGrp="1"/>
+          </p:cNvSpPr>
+          <p:nvPr>
+            <p:ph sz="quarter" idx="25"/>
+          </p:nvPr>
+        </p:nvSpPr>
+        <p:spPr/>
+        <p:txBody>
+          <a:bodyPr/>
+          <a:lstStyle/>
+          <a:p>
+            <a:endParaRPr lang="it-IT"/>
+          </a:p>
+        </p:txBody>
+      </p:sp>
+      <p:sp>
+        <p:nvSpPr>
+          <p:cNvPr id="5" name="Segnaposto testo 4"/>
+          <p:cNvSpPr>
+            <a:spLocks noGrp="1"/>
+          </p:cNvSpPr>
+          <p:nvPr>
+            <p:ph type="body" sz="quarter" idx="26"/>
+          </p:nvPr>
+        </p:nvSpPr>
+        <p:spPr/>
+        <p:txBody>
+          <a:bodyPr/>
+          <a:lstStyle/>
+          <a:p>
+            <a:endParaRPr lang="it-IT"/>
+          </a:p>
+        </p:txBody>
+      </p:sp>
+      <p:sp>
+        <p:nvSpPr>
+          <p:cNvPr id="6" name="Segnaposto testo 5"/>
+          <p:cNvSpPr>
+            <a:spLocks noGrp="1"/>
+          </p:cNvSpPr>
+          <p:nvPr>
+            <p:ph type="body" sz="quarter" idx="27"/>
+          </p:nvPr>
+        </p:nvSpPr>
+        <p:spPr/>
+        <p:txBody>
+          <a:bodyPr/>
+          <a:lstStyle/>
+          <a:p>
+            <a:endParaRPr lang="it-IT"/>
+          </a:p>
+        </p:txBody>
+      </p:sp>
+      <p:sp>
+        <p:nvSpPr>
+          <p:cNvPr id="7" name="Segnaposto testo 6"/>
+          <p:cNvSpPr>
+            <a:spLocks noGrp="1"/>
+          </p:cNvSpPr>
+          <p:nvPr>
+            <p:ph type="body" sz="quarter" idx="28"/>
+          </p:nvPr>
+        </p:nvSpPr>
+        <p:spPr/>
+        <p:txBody>
+          <a:bodyPr/>
+          <a:lstStyle/>
+          <a:p>
+            <a:endParaRPr lang="it-IT"/>
+          </a:p>
+        </p:txBody>
+      </p:sp>
+      <p:sp>
+        <p:nvSpPr>
+          <p:cNvPr id="8" name="Segnaposto testo 7"/>
+          <p:cNvSpPr>
+            <a:spLocks noGrp="1"/>
+          </p:cNvSpPr>
+          <p:nvPr>
+            <p:ph type="body" sz="quarter" idx="29"/>
+          </p:nvPr>
+        </p:nvSpPr>
+        <p:spPr/>
+        <p:txBody>
+          <a:bodyPr/>
+          <a:lstStyle/>
+          <a:p>
+            <a:endParaRPr lang="it-IT"/>
+          </a:p>
+        </p:txBody>
+      </p:sp>
+      <p:sp>
+        <p:nvSpPr>
+          <p:cNvPr id="9" name="Segnaposto testo 8"/>
+          <p:cNvSpPr>
+            <a:spLocks noGrp="1"/>
+          </p:cNvSpPr>
+          <p:nvPr>
+            <p:ph type="body" sz="quarter" idx="30"/>
+          </p:nvPr>
+        </p:nvSpPr>
+        <p:spPr/>
+        <p:txBody>
+          <a:bodyPr/>
+          <a:lstStyle/>
+          <a:p>
+            <a:endParaRPr lang="it-IT"/>
+          </a:p>
+        </p:txBody>
+      </p:sp>
+      <p:sp>
+        <p:nvSpPr>
+          <p:cNvPr id="10" name="Segnaposto testo 9"/>
+          <p:cNvSpPr>
+            <a:spLocks noGrp="1"/>
+          </p:cNvSpPr>
+          <p:nvPr>
+            <p:ph type="body" sz="quarter" idx="31"/>
+          </p:nvPr>
+        </p:nvSpPr>
+        <p:spPr/>
+        <p:txBody>
+          <a:bodyPr/>
+          <a:lstStyle/>
+          <a:p>
+            <a:endParaRPr lang="it-IT"/>
+          </a:p>
+        </p:txBody>
+      </p:sp>
+      <p:sp>
+        <p:nvSpPr>
+          <p:cNvPr id="11" name="Segnaposto testo 10"/>
+          <p:cNvSpPr>
+            <a:spLocks noGrp="1"/>
+          </p:cNvSpPr>
+          <p:nvPr>
+            <p:ph type="body" sz="quarter" idx="32"/>
+          </p:nvPr>
+        </p:nvSpPr>
+        <p:spPr/>
+        <p:txBody>
+          <a:bodyPr/>
+          <a:lstStyle/>
+          <a:p>
+            <a:endParaRPr lang="it-IT"/>
+          </a:p>
+        </p:txBody>
+      </p:sp>
+      <p:sp>
+        <p:nvSpPr>
+          <p:cNvPr id="12" name="Segnaposto testo 11"/>
+          <p:cNvSpPr>
+            <a:spLocks noGrp="1"/>
+          </p:cNvSpPr>
+          <p:nvPr>
+            <p:ph type="body" sz="quarter" idx="33"/>
+          </p:nvPr>
+        </p:nvSpPr>
+        <p:spPr/>
+        <p:txBody>
+          <a:bodyPr/>
+          <a:lstStyle/>
+          <a:p>
+            <a:endParaRPr lang="it-IT"/>
+          </a:p>
+        </p:txBody>
+      </p:sp>
+      <p:sp>
+        <p:nvSpPr>
+          <p:cNvPr id="13" name="Segnaposto contenuto 12"/>
+          <p:cNvSpPr>
+            <a:spLocks noGrp="1"/>
+          </p:cNvSpPr>
+          <p:nvPr>
+            <p:ph sz="quarter" idx="34"/>
+          </p:nvPr>
+        </p:nvSpPr>
+        <p:spPr/>
+        <p:txBody>
+          <a:bodyPr/>
+          <a:lstStyle/>
+          <a:p>
+            <a:endParaRPr lang="it-IT"/>
+          </a:p>
+        </p:txBody>
+      </p:sp>
+      <p:sp>
+        <p:nvSpPr>
+          <p:cNvPr id="14" name="Segnaposto contenuto 13"/>
+          <p:cNvSpPr>
+            <a:spLocks noGrp="1"/>
+          </p:cNvSpPr>
+          <p:nvPr>
+            <p:ph sz="quarter" idx="35"/>
+          </p:nvPr>
+        </p:nvSpPr>
+        <p:spPr/>
+        <p:txBody>
+          <a:bodyPr/>
+          <a:lstStyle/>
+          <a:p>
+            <a:endParaRPr lang="it-IT"/>
+          </a:p>
+        </p:txBody>
+      </p:sp>
+      <p:sp>
+        <p:nvSpPr>
+          <p:cNvPr id="15" name="Segnaposto contenuto 14"/>
+          <p:cNvSpPr>
+            <a:spLocks noGrp="1"/>
+          </p:cNvSpPr>
+          <p:nvPr>
+            <p:ph sz="quarter" idx="36"/>
+          </p:nvPr>
+        </p:nvSpPr>
+        <p:spPr/>
+        <p:txBody>
+          <a:bodyPr/>
+          <a:lstStyle/>
+          <a:p>
+            <a:endParaRPr lang="it-IT"/>
+          </a:p>
+        </p:txBody>
+      </p:sp>
+      <p:sp>
+        <p:nvSpPr>
+          <p:cNvPr id="16" name="Segnaposto contenuto 15"/>
+          <p:cNvSpPr>
+            <a:spLocks noGrp="1"/>
+          </p:cNvSpPr>
+          <p:nvPr>
+            <p:ph sz="quarter" idx="37"/>
+          </p:nvPr>
+        </p:nvSpPr>
+        <p:spPr/>
+        <p:txBody>
+          <a:bodyPr/>
+          <a:lstStyle/>
+          <a:p>
+            <a:endParaRPr lang="it-IT"/>
+          </a:p>
+        </p:txBody>
+      </p:sp>
+      <p:sp>
+        <p:nvSpPr>
+          <p:cNvPr id="17" name="Segnaposto contenuto 16"/>
+          <p:cNvSpPr>
+            <a:spLocks noGrp="1"/>
+          </p:cNvSpPr>
+          <p:nvPr>
+            <p:ph sz="quarter" idx="38"/>
+          </p:nvPr>
+        </p:nvSpPr>
+        <p:spPr/>
+        <p:txBody>
+          <a:bodyPr/>
+          <a:lstStyle/>
+          <a:p>
+            <a:endParaRPr lang="it-IT"/>
+          </a:p>
+        </p:txBody>
+      </p:sp>
+      <p:sp>
+        <p:nvSpPr>
+          <p:cNvPr id="21" name="Segnaposto contenuto 20"/>
+          <p:cNvSpPr>
+            <a:spLocks noGrp="1"/>
+          </p:cNvSpPr>
+          <p:nvPr>
+            <p:ph sz="quarter" idx="42"/>
+          </p:nvPr>
+        </p:nvSpPr>
+        <p:spPr/>
+        <p:txBody>
+          <a:bodyPr/>
+          <a:lstStyle/>
+          <a:p>
+            <a:endParaRPr lang="it-IT"/>
+          </a:p>
+        </p:txBody>
+      </p:sp>
+      <p:sp>
+        <p:nvSpPr>
+          <p:cNvPr id="22" name="Segnaposto contenuto 21"/>
+          <p:cNvSpPr>
+            <a:spLocks noGrp="1"/>
+          </p:cNvSpPr>
+          <p:nvPr>
+            <p:ph sz="quarter" idx="43"/>
+          </p:nvPr>
+        </p:nvSpPr>
+        <p:spPr/>
+        <p:txBody>
+          <a:bodyPr/>
+          <a:lstStyle/>
+          <a:p>
+            <a:endParaRPr lang="it-IT"/>
+          </a:p>
+        </p:txBody>
+      </p:sp>
+      <p:sp>
+        <p:nvSpPr>
+          <p:cNvPr id="23" name="Segnaposto contenuto 22"/>
+          <p:cNvSpPr>
+            <a:spLocks noGrp="1"/>
+          </p:cNvSpPr>
+          <p:nvPr>
+            <p:ph sz="quarter" idx="44"/>
+          </p:nvPr>
+        </p:nvSpPr>
+        <p:spPr/>
+        <p:txBody>
+          <a:bodyPr/>
+          <a:lstStyle/>
+          <a:p>
+            <a:endParaRPr lang="it-IT"/>
+          </a:p>
+        </p:txBody>
+      </p:sp>
+      <p:sp>
+        <p:nvSpPr>
+          <p:cNvPr id="24" name="Segnaposto contenuto 23"/>
+          <p:cNvSpPr>
+            <a:spLocks noGrp="1"/>
+          </p:cNvSpPr>
+          <p:nvPr>
+            <p:ph sz="quarter" idx="45"/>
+          </p:nvPr>
+        </p:nvSpPr>
+        <p:spPr/>
+        <p:txBody>
+          <a:bodyPr/>
+          <a:lstStyle/>
+          <a:p>
+            <a:endParaRPr lang="it-IT"/>
+          </a:p>
+        </p:txBody>
+      </p:sp>
+      <p:sp>
+        <p:nvSpPr>
+          <p:cNvPr id="25" name="Segnaposto testo 24"/>
+          <p:cNvSpPr>
+            <a:spLocks noGrp="1"/>
+          </p:cNvSpPr>
+          <p:nvPr>
+            <p:ph type="body" sz="quarter" idx="46"/>
+          </p:nvPr>
+        </p:nvSpPr>
+        <p:spPr/>
+        <p:txBody>
+          <a:bodyPr/>
+          <a:lstStyle/>
+          <a:p>
+            <a:endParaRPr lang="it-IT" dirty="0"/>
+          </a:p>
+        </p:txBody>
+      </p:sp>
+      <p:sp>
+        <p:nvSpPr>
+          <p:cNvPr id="26" name="Segnaposto testo 25"/>
+          <p:cNvSpPr>
+            <a:spLocks noGrp="1"/>
+          </p:cNvSpPr>
+          <p:nvPr>
+            <p:ph type="body" sz="quarter" idx="47"/>
+          </p:nvPr>
+        </p:nvSpPr>
+        <p:spPr/>
+        <p:txBody>
+          <a:bodyPr/>
+          <a:lstStyle/>
+          <a:p>
+            <a:endParaRPr lang="it-IT"/>
+          </a:p>
+        </p:txBody>
+      </p:sp>
+      <p:sp>
+        <p:nvSpPr>
+          <p:cNvPr id="27" name="Titolo 9"/>
+          <p:cNvSpPr>
+            <a:spLocks noGrp="1"/>
+          </p:cNvSpPr>
+          <p:nvPr>
+            <p:ph type="title"/>
+          </p:nvPr>
+        </p:nvSpPr>
+        <p:spPr/>
+        <p:txBody>
+          <a:bodyPr/>
+          <a:lstStyle/>
+          <a:p>
+            <a:r>
+              <a:rPr lang="en-US" sz="10800" dirty="0" err="1" smtClean="0"/>
+              <a:t>DataQualityCheckEuracAlpenv</a:t>
+            </a:r>
+            <a:r>
+              <a:rPr lang="en-US" sz="10800" dirty="0" smtClean="0"/>
+              <a:t> </a:t>
+            </a:r>
+            <a:r>
+              <a:rPr lang="en-US" sz="10800" dirty="0" err="1" smtClean="0"/>
+              <a:t>github</a:t>
+            </a:r>
+            <a:r>
+              <a:rPr lang="en-US" sz="10800" dirty="0" smtClean="0"/>
+              <a:t> R package </a:t>
+            </a:r>
+            <a:endParaRPr lang="it-IT" sz="10800" dirty="0"/>
+          </a:p>
+        </p:txBody>
+      </p:sp>
+      <p:sp>
+        <p:nvSpPr>
+          <p:cNvPr id="28" name="Segnaposto testo 11"/>
+          <p:cNvSpPr>
+            <a:spLocks noGrp="1"/>
+          </p:cNvSpPr>
+          <p:nvPr>
+            <p:ph type="body" sz="quarter" idx="39"/>
+          </p:nvPr>
+        </p:nvSpPr>
+        <p:spPr/>
+        <p:txBody>
+          <a:bodyPr/>
+          <a:lstStyle/>
+          <a:p>
+            <a:r>
+              <a:rPr lang="en-US" dirty="0" smtClean="0"/>
+              <a:t>Christian Brida, Giulio Genova, Alessandro Zandonai</a:t>
+            </a:r>
+          </a:p>
+          <a:p>
+            <a:r>
+              <a:rPr lang="de-DE" dirty="0" smtClean="0"/>
+              <a:t>Eurac </a:t>
+            </a:r>
+            <a:r>
+              <a:rPr lang="de-DE" dirty="0"/>
+              <a:t>Research, Institute for Alpine Environment </a:t>
+            </a:r>
+            <a:endParaRPr lang="it-IT" dirty="0"/>
+          </a:p>
+        </p:txBody>
+      </p:sp>
+    </p:spTree>
+    <p:extLst>
+      <p:ext uri="{BB962C8B-B14F-4D97-AF65-F5344CB8AC3E}">
+        <p14:creationId xmlns:p14="http://schemas.microsoft.com/office/powerpoint/2010/main" val="646664334"/>
       </p:ext>
     </p:extLst>
   </p:cSld>
